--- a/Matches/USPSA - Renton - July 2020/Bay 3 - Fresh Fish 2.pptx
+++ b/Matches/USPSA - Renton - July 2020/Bay 3 - Fresh Fish 2.pptx
@@ -167,6 +167,182 @@
 <file path=ppt/changesInfos/changesInfo1.xml><?xml version="1.0" encoding="utf-8"?>
 <pc:chgInfo xmlns:a="http://schemas.openxmlformats.org/drawingml/2006/main" xmlns:r="http://schemas.openxmlformats.org/officeDocument/2006/relationships" xmlns:ac="http://schemas.microsoft.com/office/drawing/2013/main/command" xmlns:pc="http://schemas.microsoft.com/office/powerpoint/2013/main/command">
   <pc:docChgLst>
+    <pc:chgData name="Matt Carlson" userId="0e792f37f00095d9" providerId="LiveId" clId="{5CFCC283-3760-4963-8178-2319E33C76D7}"/>
+    <pc:docChg chg="undo modSld">
+      <pc:chgData name="Matt Carlson" userId="0e792f37f00095d9" providerId="LiveId" clId="{5CFCC283-3760-4963-8178-2319E33C76D7}" dt="2019-04-27T04:48:25.269" v="38" actId="1076"/>
+      <pc:docMkLst>
+        <pc:docMk/>
+      </pc:docMkLst>
+      <pc:sldChg chg="addSp delSp modSp">
+        <pc:chgData name="Matt Carlson" userId="0e792f37f00095d9" providerId="LiveId" clId="{5CFCC283-3760-4963-8178-2319E33C76D7}" dt="2019-04-27T04:48:25.269" v="38" actId="1076"/>
+        <pc:sldMkLst>
+          <pc:docMk/>
+          <pc:sldMk cId="0" sldId="274"/>
+        </pc:sldMkLst>
+        <pc:spChg chg="add del">
+          <ac:chgData name="Matt Carlson" userId="0e792f37f00095d9" providerId="LiveId" clId="{5CFCC283-3760-4963-8178-2319E33C76D7}" dt="2019-04-27T04:48:24.867" v="37" actId="478"/>
+          <ac:spMkLst>
+            <pc:docMk/>
+            <pc:sldMk cId="0" sldId="274"/>
+            <ac:spMk id="3094" creationId="{00000000-0000-0000-0000-000000000000}"/>
+          </ac:spMkLst>
+        </pc:spChg>
+        <pc:spChg chg="add del">
+          <ac:chgData name="Matt Carlson" userId="0e792f37f00095d9" providerId="LiveId" clId="{5CFCC283-3760-4963-8178-2319E33C76D7}" dt="2019-04-27T04:48:24.867" v="37" actId="478"/>
+          <ac:spMkLst>
+            <pc:docMk/>
+            <pc:sldMk cId="0" sldId="274"/>
+            <ac:spMk id="3095" creationId="{00000000-0000-0000-0000-000000000000}"/>
+          </ac:spMkLst>
+        </pc:spChg>
+        <pc:spChg chg="add del">
+          <ac:chgData name="Matt Carlson" userId="0e792f37f00095d9" providerId="LiveId" clId="{5CFCC283-3760-4963-8178-2319E33C76D7}" dt="2019-04-27T04:48:24.867" v="37" actId="478"/>
+          <ac:spMkLst>
+            <pc:docMk/>
+            <pc:sldMk cId="0" sldId="274"/>
+            <ac:spMk id="3096" creationId="{00000000-0000-0000-0000-000000000000}"/>
+          </ac:spMkLst>
+        </pc:spChg>
+        <pc:grpChg chg="add del">
+          <ac:chgData name="Matt Carlson" userId="0e792f37f00095d9" providerId="LiveId" clId="{5CFCC283-3760-4963-8178-2319E33C76D7}" dt="2019-04-27T04:48:24.867" v="37" actId="478"/>
+          <ac:grpSpMkLst>
+            <pc:docMk/>
+            <pc:sldMk cId="0" sldId="274"/>
+            <ac:grpSpMk id="3090" creationId="{00000000-0000-0000-0000-000000000000}"/>
+          </ac:grpSpMkLst>
+        </pc:grpChg>
+        <pc:grpChg chg="add del">
+          <ac:chgData name="Matt Carlson" userId="0e792f37f00095d9" providerId="LiveId" clId="{5CFCC283-3760-4963-8178-2319E33C76D7}" dt="2019-04-27T04:48:24.867" v="37" actId="478"/>
+          <ac:grpSpMkLst>
+            <pc:docMk/>
+            <pc:sldMk cId="0" sldId="274"/>
+            <ac:grpSpMk id="3091" creationId="{00000000-0000-0000-0000-000000000000}"/>
+          </ac:grpSpMkLst>
+        </pc:grpChg>
+        <pc:grpChg chg="add del">
+          <ac:chgData name="Matt Carlson" userId="0e792f37f00095d9" providerId="LiveId" clId="{5CFCC283-3760-4963-8178-2319E33C76D7}" dt="2019-04-27T04:48:24.867" v="37" actId="478"/>
+          <ac:grpSpMkLst>
+            <pc:docMk/>
+            <pc:sldMk cId="0" sldId="274"/>
+            <ac:grpSpMk id="3092" creationId="{00000000-0000-0000-0000-000000000000}"/>
+          </ac:grpSpMkLst>
+        </pc:grpChg>
+        <pc:grpChg chg="add del">
+          <ac:chgData name="Matt Carlson" userId="0e792f37f00095d9" providerId="LiveId" clId="{5CFCC283-3760-4963-8178-2319E33C76D7}" dt="2019-04-27T04:48:24.867" v="37" actId="478"/>
+          <ac:grpSpMkLst>
+            <pc:docMk/>
+            <pc:sldMk cId="0" sldId="274"/>
+            <ac:grpSpMk id="3093" creationId="{00000000-0000-0000-0000-000000000000}"/>
+          </ac:grpSpMkLst>
+        </pc:grpChg>
+        <pc:grpChg chg="add del">
+          <ac:chgData name="Matt Carlson" userId="0e792f37f00095d9" providerId="LiveId" clId="{5CFCC283-3760-4963-8178-2319E33C76D7}" dt="2019-04-27T04:48:24.867" v="37" actId="478"/>
+          <ac:grpSpMkLst>
+            <pc:docMk/>
+            <pc:sldMk cId="0" sldId="274"/>
+            <ac:grpSpMk id="3101" creationId="{00000000-0000-0000-0000-000000000000}"/>
+          </ac:grpSpMkLst>
+        </pc:grpChg>
+        <pc:grpChg chg="add del">
+          <ac:chgData name="Matt Carlson" userId="0e792f37f00095d9" providerId="LiveId" clId="{5CFCC283-3760-4963-8178-2319E33C76D7}" dt="2019-04-27T04:48:24.867" v="37" actId="478"/>
+          <ac:grpSpMkLst>
+            <pc:docMk/>
+            <pc:sldMk cId="0" sldId="274"/>
+            <ac:grpSpMk id="3102" creationId="{00000000-0000-0000-0000-000000000000}"/>
+          </ac:grpSpMkLst>
+        </pc:grpChg>
+        <pc:grpChg chg="add del">
+          <ac:chgData name="Matt Carlson" userId="0e792f37f00095d9" providerId="LiveId" clId="{5CFCC283-3760-4963-8178-2319E33C76D7}" dt="2019-04-27T04:48:24.867" v="37" actId="478"/>
+          <ac:grpSpMkLst>
+            <pc:docMk/>
+            <pc:sldMk cId="0" sldId="274"/>
+            <ac:grpSpMk id="3103" creationId="{00000000-0000-0000-0000-000000000000}"/>
+          </ac:grpSpMkLst>
+        </pc:grpChg>
+        <pc:grpChg chg="add del">
+          <ac:chgData name="Matt Carlson" userId="0e792f37f00095d9" providerId="LiveId" clId="{5CFCC283-3760-4963-8178-2319E33C76D7}" dt="2019-04-27T04:48:24.867" v="37" actId="478"/>
+          <ac:grpSpMkLst>
+            <pc:docMk/>
+            <pc:sldMk cId="0" sldId="274"/>
+            <ac:grpSpMk id="3104" creationId="{00000000-0000-0000-0000-000000000000}"/>
+          </ac:grpSpMkLst>
+        </pc:grpChg>
+        <pc:grpChg chg="add del">
+          <ac:chgData name="Matt Carlson" userId="0e792f37f00095d9" providerId="LiveId" clId="{5CFCC283-3760-4963-8178-2319E33C76D7}" dt="2019-04-27T04:48:24.867" v="37" actId="478"/>
+          <ac:grpSpMkLst>
+            <pc:docMk/>
+            <pc:sldMk cId="0" sldId="274"/>
+            <ac:grpSpMk id="3105" creationId="{00000000-0000-0000-0000-000000000000}"/>
+          </ac:grpSpMkLst>
+        </pc:grpChg>
+        <pc:grpChg chg="add del">
+          <ac:chgData name="Matt Carlson" userId="0e792f37f00095d9" providerId="LiveId" clId="{5CFCC283-3760-4963-8178-2319E33C76D7}" dt="2019-04-27T04:48:24.867" v="37" actId="478"/>
+          <ac:grpSpMkLst>
+            <pc:docMk/>
+            <pc:sldMk cId="0" sldId="274"/>
+            <ac:grpSpMk id="3106" creationId="{00000000-0000-0000-0000-000000000000}"/>
+          </ac:grpSpMkLst>
+        </pc:grpChg>
+        <pc:grpChg chg="add del">
+          <ac:chgData name="Matt Carlson" userId="0e792f37f00095d9" providerId="LiveId" clId="{5CFCC283-3760-4963-8178-2319E33C76D7}" dt="2019-04-27T04:48:24.867" v="37" actId="478"/>
+          <ac:grpSpMkLst>
+            <pc:docMk/>
+            <pc:sldMk cId="0" sldId="274"/>
+            <ac:grpSpMk id="3107" creationId="{00000000-0000-0000-0000-000000000000}"/>
+          </ac:grpSpMkLst>
+        </pc:grpChg>
+        <pc:grpChg chg="add del">
+          <ac:chgData name="Matt Carlson" userId="0e792f37f00095d9" providerId="LiveId" clId="{5CFCC283-3760-4963-8178-2319E33C76D7}" dt="2019-04-27T04:48:24.867" v="37" actId="478"/>
+          <ac:grpSpMkLst>
+            <pc:docMk/>
+            <pc:sldMk cId="0" sldId="274"/>
+            <ac:grpSpMk id="3108" creationId="{00000000-0000-0000-0000-000000000000}"/>
+          </ac:grpSpMkLst>
+        </pc:grpChg>
+        <pc:grpChg chg="add del">
+          <ac:chgData name="Matt Carlson" userId="0e792f37f00095d9" providerId="LiveId" clId="{5CFCC283-3760-4963-8178-2319E33C76D7}" dt="2019-04-27T04:48:24.867" v="37" actId="478"/>
+          <ac:grpSpMkLst>
+            <pc:docMk/>
+            <pc:sldMk cId="0" sldId="274"/>
+            <ac:grpSpMk id="3109" creationId="{00000000-0000-0000-0000-000000000000}"/>
+          </ac:grpSpMkLst>
+        </pc:grpChg>
+        <pc:grpChg chg="add del">
+          <ac:chgData name="Matt Carlson" userId="0e792f37f00095d9" providerId="LiveId" clId="{5CFCC283-3760-4963-8178-2319E33C76D7}" dt="2019-04-27T04:48:24.867" v="37" actId="478"/>
+          <ac:grpSpMkLst>
+            <pc:docMk/>
+            <pc:sldMk cId="0" sldId="274"/>
+            <ac:grpSpMk id="3110" creationId="{00000000-0000-0000-0000-000000000000}"/>
+          </ac:grpSpMkLst>
+        </pc:grpChg>
+        <pc:grpChg chg="mod">
+          <ac:chgData name="Matt Carlson" userId="0e792f37f00095d9" providerId="LiveId" clId="{5CFCC283-3760-4963-8178-2319E33C76D7}" dt="2019-04-27T04:48:25.269" v="38" actId="1076"/>
+          <ac:grpSpMkLst>
+            <pc:docMk/>
+            <pc:sldMk cId="0" sldId="274"/>
+            <ac:grpSpMk id="3111" creationId="{00000000-0000-0000-0000-000000000000}"/>
+          </ac:grpSpMkLst>
+        </pc:grpChg>
+        <pc:graphicFrameChg chg="mod modGraphic">
+          <ac:chgData name="Matt Carlson" userId="0e792f37f00095d9" providerId="LiveId" clId="{5CFCC283-3760-4963-8178-2319E33C76D7}" dt="2019-04-27T04:47:45.993" v="34" actId="20577"/>
+          <ac:graphicFrameMkLst>
+            <pc:docMk/>
+            <pc:sldMk cId="0" sldId="274"/>
+            <ac:graphicFrameMk id="110" creationId="{00000000-0000-0000-0000-000000000000}"/>
+          </ac:graphicFrameMkLst>
+        </pc:graphicFrameChg>
+        <pc:cxnChg chg="add del">
+          <ac:chgData name="Matt Carlson" userId="0e792f37f00095d9" providerId="LiveId" clId="{5CFCC283-3760-4963-8178-2319E33C76D7}" dt="2019-04-27T04:48:24.867" v="37" actId="478"/>
+          <ac:cxnSpMkLst>
+            <pc:docMk/>
+            <pc:sldMk cId="0" sldId="274"/>
+            <ac:cxnSpMk id="144" creationId="{00000000-0000-0000-0000-000000000000}"/>
+          </ac:cxnSpMkLst>
+        </pc:cxnChg>
+      </pc:sldChg>
+    </pc:docChg>
+  </pc:docChgLst>
+  <pc:docChgLst>
     <pc:chgData name="Matt Carlson" userId="0e792f37f00095d9" providerId="LiveId" clId="{354C8280-3915-4DFF-AB06-EBE740204D41}"/>
     <pc:docChg chg="undo custSel delSld modSld">
       <pc:chgData name="Matt Carlson" userId="0e792f37f00095d9" providerId="LiveId" clId="{354C8280-3915-4DFF-AB06-EBE740204D41}" dt="2019-04-28T07:59:04.479" v="417" actId="2696"/>
@@ -833,910 +1009,6 @@
             <pc:docMk/>
             <pc:sldMk cId="0" sldId="274"/>
             <ac:cxnSpMk id="233" creationId="{F547890D-4D6D-401F-965F-91C48BEF4021}"/>
-          </ac:cxnSpMkLst>
-        </pc:cxnChg>
-      </pc:sldChg>
-    </pc:docChg>
-  </pc:docChgLst>
-  <pc:docChgLst>
-    <pc:chgData name="Matt Carlson" userId="0e792f37f00095d9" providerId="LiveId" clId="{5CFCC283-3760-4963-8178-2319E33C76D7}"/>
-    <pc:docChg chg="undo modSld">
-      <pc:chgData name="Matt Carlson" userId="0e792f37f00095d9" providerId="LiveId" clId="{5CFCC283-3760-4963-8178-2319E33C76D7}" dt="2019-04-27T04:48:25.269" v="38" actId="1076"/>
-      <pc:docMkLst>
-        <pc:docMk/>
-      </pc:docMkLst>
-      <pc:sldChg chg="addSp delSp modSp">
-        <pc:chgData name="Matt Carlson" userId="0e792f37f00095d9" providerId="LiveId" clId="{5CFCC283-3760-4963-8178-2319E33C76D7}" dt="2019-04-27T04:48:25.269" v="38" actId="1076"/>
-        <pc:sldMkLst>
-          <pc:docMk/>
-          <pc:sldMk cId="0" sldId="274"/>
-        </pc:sldMkLst>
-        <pc:spChg chg="add del">
-          <ac:chgData name="Matt Carlson" userId="0e792f37f00095d9" providerId="LiveId" clId="{5CFCC283-3760-4963-8178-2319E33C76D7}" dt="2019-04-27T04:48:24.867" v="37" actId="478"/>
-          <ac:spMkLst>
-            <pc:docMk/>
-            <pc:sldMk cId="0" sldId="274"/>
-            <ac:spMk id="3094" creationId="{00000000-0000-0000-0000-000000000000}"/>
-          </ac:spMkLst>
-        </pc:spChg>
-        <pc:spChg chg="add del">
-          <ac:chgData name="Matt Carlson" userId="0e792f37f00095d9" providerId="LiveId" clId="{5CFCC283-3760-4963-8178-2319E33C76D7}" dt="2019-04-27T04:48:24.867" v="37" actId="478"/>
-          <ac:spMkLst>
-            <pc:docMk/>
-            <pc:sldMk cId="0" sldId="274"/>
-            <ac:spMk id="3095" creationId="{00000000-0000-0000-0000-000000000000}"/>
-          </ac:spMkLst>
-        </pc:spChg>
-        <pc:spChg chg="add del">
-          <ac:chgData name="Matt Carlson" userId="0e792f37f00095d9" providerId="LiveId" clId="{5CFCC283-3760-4963-8178-2319E33C76D7}" dt="2019-04-27T04:48:24.867" v="37" actId="478"/>
-          <ac:spMkLst>
-            <pc:docMk/>
-            <pc:sldMk cId="0" sldId="274"/>
-            <ac:spMk id="3096" creationId="{00000000-0000-0000-0000-000000000000}"/>
-          </ac:spMkLst>
-        </pc:spChg>
-        <pc:grpChg chg="add del">
-          <ac:chgData name="Matt Carlson" userId="0e792f37f00095d9" providerId="LiveId" clId="{5CFCC283-3760-4963-8178-2319E33C76D7}" dt="2019-04-27T04:48:24.867" v="37" actId="478"/>
-          <ac:grpSpMkLst>
-            <pc:docMk/>
-            <pc:sldMk cId="0" sldId="274"/>
-            <ac:grpSpMk id="3090" creationId="{00000000-0000-0000-0000-000000000000}"/>
-          </ac:grpSpMkLst>
-        </pc:grpChg>
-        <pc:grpChg chg="add del">
-          <ac:chgData name="Matt Carlson" userId="0e792f37f00095d9" providerId="LiveId" clId="{5CFCC283-3760-4963-8178-2319E33C76D7}" dt="2019-04-27T04:48:24.867" v="37" actId="478"/>
-          <ac:grpSpMkLst>
-            <pc:docMk/>
-            <pc:sldMk cId="0" sldId="274"/>
-            <ac:grpSpMk id="3091" creationId="{00000000-0000-0000-0000-000000000000}"/>
-          </ac:grpSpMkLst>
-        </pc:grpChg>
-        <pc:grpChg chg="add del">
-          <ac:chgData name="Matt Carlson" userId="0e792f37f00095d9" providerId="LiveId" clId="{5CFCC283-3760-4963-8178-2319E33C76D7}" dt="2019-04-27T04:48:24.867" v="37" actId="478"/>
-          <ac:grpSpMkLst>
-            <pc:docMk/>
-            <pc:sldMk cId="0" sldId="274"/>
-            <ac:grpSpMk id="3092" creationId="{00000000-0000-0000-0000-000000000000}"/>
-          </ac:grpSpMkLst>
-        </pc:grpChg>
-        <pc:grpChg chg="add del">
-          <ac:chgData name="Matt Carlson" userId="0e792f37f00095d9" providerId="LiveId" clId="{5CFCC283-3760-4963-8178-2319E33C76D7}" dt="2019-04-27T04:48:24.867" v="37" actId="478"/>
-          <ac:grpSpMkLst>
-            <pc:docMk/>
-            <pc:sldMk cId="0" sldId="274"/>
-            <ac:grpSpMk id="3093" creationId="{00000000-0000-0000-0000-000000000000}"/>
-          </ac:grpSpMkLst>
-        </pc:grpChg>
-        <pc:grpChg chg="add del">
-          <ac:chgData name="Matt Carlson" userId="0e792f37f00095d9" providerId="LiveId" clId="{5CFCC283-3760-4963-8178-2319E33C76D7}" dt="2019-04-27T04:48:24.867" v="37" actId="478"/>
-          <ac:grpSpMkLst>
-            <pc:docMk/>
-            <pc:sldMk cId="0" sldId="274"/>
-            <ac:grpSpMk id="3101" creationId="{00000000-0000-0000-0000-000000000000}"/>
-          </ac:grpSpMkLst>
-        </pc:grpChg>
-        <pc:grpChg chg="add del">
-          <ac:chgData name="Matt Carlson" userId="0e792f37f00095d9" providerId="LiveId" clId="{5CFCC283-3760-4963-8178-2319E33C76D7}" dt="2019-04-27T04:48:24.867" v="37" actId="478"/>
-          <ac:grpSpMkLst>
-            <pc:docMk/>
-            <pc:sldMk cId="0" sldId="274"/>
-            <ac:grpSpMk id="3102" creationId="{00000000-0000-0000-0000-000000000000}"/>
-          </ac:grpSpMkLst>
-        </pc:grpChg>
-        <pc:grpChg chg="add del">
-          <ac:chgData name="Matt Carlson" userId="0e792f37f00095d9" providerId="LiveId" clId="{5CFCC283-3760-4963-8178-2319E33C76D7}" dt="2019-04-27T04:48:24.867" v="37" actId="478"/>
-          <ac:grpSpMkLst>
-            <pc:docMk/>
-            <pc:sldMk cId="0" sldId="274"/>
-            <ac:grpSpMk id="3103" creationId="{00000000-0000-0000-0000-000000000000}"/>
-          </ac:grpSpMkLst>
-        </pc:grpChg>
-        <pc:grpChg chg="add del">
-          <ac:chgData name="Matt Carlson" userId="0e792f37f00095d9" providerId="LiveId" clId="{5CFCC283-3760-4963-8178-2319E33C76D7}" dt="2019-04-27T04:48:24.867" v="37" actId="478"/>
-          <ac:grpSpMkLst>
-            <pc:docMk/>
-            <pc:sldMk cId="0" sldId="274"/>
-            <ac:grpSpMk id="3104" creationId="{00000000-0000-0000-0000-000000000000}"/>
-          </ac:grpSpMkLst>
-        </pc:grpChg>
-        <pc:grpChg chg="add del">
-          <ac:chgData name="Matt Carlson" userId="0e792f37f00095d9" providerId="LiveId" clId="{5CFCC283-3760-4963-8178-2319E33C76D7}" dt="2019-04-27T04:48:24.867" v="37" actId="478"/>
-          <ac:grpSpMkLst>
-            <pc:docMk/>
-            <pc:sldMk cId="0" sldId="274"/>
-            <ac:grpSpMk id="3105" creationId="{00000000-0000-0000-0000-000000000000}"/>
-          </ac:grpSpMkLst>
-        </pc:grpChg>
-        <pc:grpChg chg="add del">
-          <ac:chgData name="Matt Carlson" userId="0e792f37f00095d9" providerId="LiveId" clId="{5CFCC283-3760-4963-8178-2319E33C76D7}" dt="2019-04-27T04:48:24.867" v="37" actId="478"/>
-          <ac:grpSpMkLst>
-            <pc:docMk/>
-            <pc:sldMk cId="0" sldId="274"/>
-            <ac:grpSpMk id="3106" creationId="{00000000-0000-0000-0000-000000000000}"/>
-          </ac:grpSpMkLst>
-        </pc:grpChg>
-        <pc:grpChg chg="add del">
-          <ac:chgData name="Matt Carlson" userId="0e792f37f00095d9" providerId="LiveId" clId="{5CFCC283-3760-4963-8178-2319E33C76D7}" dt="2019-04-27T04:48:24.867" v="37" actId="478"/>
-          <ac:grpSpMkLst>
-            <pc:docMk/>
-            <pc:sldMk cId="0" sldId="274"/>
-            <ac:grpSpMk id="3107" creationId="{00000000-0000-0000-0000-000000000000}"/>
-          </ac:grpSpMkLst>
-        </pc:grpChg>
-        <pc:grpChg chg="add del">
-          <ac:chgData name="Matt Carlson" userId="0e792f37f00095d9" providerId="LiveId" clId="{5CFCC283-3760-4963-8178-2319E33C76D7}" dt="2019-04-27T04:48:24.867" v="37" actId="478"/>
-          <ac:grpSpMkLst>
-            <pc:docMk/>
-            <pc:sldMk cId="0" sldId="274"/>
-            <ac:grpSpMk id="3108" creationId="{00000000-0000-0000-0000-000000000000}"/>
-          </ac:grpSpMkLst>
-        </pc:grpChg>
-        <pc:grpChg chg="add del">
-          <ac:chgData name="Matt Carlson" userId="0e792f37f00095d9" providerId="LiveId" clId="{5CFCC283-3760-4963-8178-2319E33C76D7}" dt="2019-04-27T04:48:24.867" v="37" actId="478"/>
-          <ac:grpSpMkLst>
-            <pc:docMk/>
-            <pc:sldMk cId="0" sldId="274"/>
-            <ac:grpSpMk id="3109" creationId="{00000000-0000-0000-0000-000000000000}"/>
-          </ac:grpSpMkLst>
-        </pc:grpChg>
-        <pc:grpChg chg="add del">
-          <ac:chgData name="Matt Carlson" userId="0e792f37f00095d9" providerId="LiveId" clId="{5CFCC283-3760-4963-8178-2319E33C76D7}" dt="2019-04-27T04:48:24.867" v="37" actId="478"/>
-          <ac:grpSpMkLst>
-            <pc:docMk/>
-            <pc:sldMk cId="0" sldId="274"/>
-            <ac:grpSpMk id="3110" creationId="{00000000-0000-0000-0000-000000000000}"/>
-          </ac:grpSpMkLst>
-        </pc:grpChg>
-        <pc:grpChg chg="mod">
-          <ac:chgData name="Matt Carlson" userId="0e792f37f00095d9" providerId="LiveId" clId="{5CFCC283-3760-4963-8178-2319E33C76D7}" dt="2019-04-27T04:48:25.269" v="38" actId="1076"/>
-          <ac:grpSpMkLst>
-            <pc:docMk/>
-            <pc:sldMk cId="0" sldId="274"/>
-            <ac:grpSpMk id="3111" creationId="{00000000-0000-0000-0000-000000000000}"/>
-          </ac:grpSpMkLst>
-        </pc:grpChg>
-        <pc:graphicFrameChg chg="mod modGraphic">
-          <ac:chgData name="Matt Carlson" userId="0e792f37f00095d9" providerId="LiveId" clId="{5CFCC283-3760-4963-8178-2319E33C76D7}" dt="2019-04-27T04:47:45.993" v="34" actId="20577"/>
-          <ac:graphicFrameMkLst>
-            <pc:docMk/>
-            <pc:sldMk cId="0" sldId="274"/>
-            <ac:graphicFrameMk id="110" creationId="{00000000-0000-0000-0000-000000000000}"/>
-          </ac:graphicFrameMkLst>
-        </pc:graphicFrameChg>
-        <pc:cxnChg chg="add del">
-          <ac:chgData name="Matt Carlson" userId="0e792f37f00095d9" providerId="LiveId" clId="{5CFCC283-3760-4963-8178-2319E33C76D7}" dt="2019-04-27T04:48:24.867" v="37" actId="478"/>
-          <ac:cxnSpMkLst>
-            <pc:docMk/>
-            <pc:sldMk cId="0" sldId="274"/>
-            <ac:cxnSpMk id="144" creationId="{00000000-0000-0000-0000-000000000000}"/>
-          </ac:cxnSpMkLst>
-        </pc:cxnChg>
-      </pc:sldChg>
-    </pc:docChg>
-  </pc:docChgLst>
-  <pc:docChgLst>
-    <pc:chgData name="Matt Carlson" userId="0e792f37f00095d9" providerId="LiveId" clId="{FAD5F499-209B-41A5-B992-814F8A1DAE63}"/>
-    <pc:docChg chg="undo custSel modSld">
-      <pc:chgData name="Matt Carlson" userId="0e792f37f00095d9" providerId="LiveId" clId="{FAD5F499-209B-41A5-B992-814F8A1DAE63}" dt="2019-05-26T14:57:40.745" v="511" actId="20577"/>
-      <pc:docMkLst>
-        <pc:docMk/>
-      </pc:docMkLst>
-      <pc:sldChg chg="addSp delSp modSp">
-        <pc:chgData name="Matt Carlson" userId="0e792f37f00095d9" providerId="LiveId" clId="{FAD5F499-209B-41A5-B992-814F8A1DAE63}" dt="2019-05-26T14:57:40.745" v="511" actId="20577"/>
-        <pc:sldMkLst>
-          <pc:docMk/>
-          <pc:sldMk cId="0" sldId="274"/>
-        </pc:sldMkLst>
-        <pc:spChg chg="add mod">
-          <ac:chgData name="Matt Carlson" userId="0e792f37f00095d9" providerId="LiveId" clId="{FAD5F499-209B-41A5-B992-814F8A1DAE63}" dt="2019-05-26T14:55:46.755" v="355" actId="1076"/>
-          <ac:spMkLst>
-            <pc:docMk/>
-            <pc:sldMk cId="0" sldId="274"/>
-            <ac:spMk id="2" creationId="{366ED290-982C-4ACF-B90A-31B57E8CE0B8}"/>
-          </ac:spMkLst>
-        </pc:spChg>
-        <pc:spChg chg="del">
-          <ac:chgData name="Matt Carlson" userId="0e792f37f00095d9" providerId="LiveId" clId="{FAD5F499-209B-41A5-B992-814F8A1DAE63}" dt="2019-05-24T06:21:39.908" v="0" actId="478"/>
-          <ac:spMkLst>
-            <pc:docMk/>
-            <pc:sldMk cId="0" sldId="274"/>
-            <ac:spMk id="93" creationId="{94E944EB-6B33-44F6-96B7-2AF31093415F}"/>
-          </ac:spMkLst>
-        </pc:spChg>
-        <pc:spChg chg="del">
-          <ac:chgData name="Matt Carlson" userId="0e792f37f00095d9" providerId="LiveId" clId="{FAD5F499-209B-41A5-B992-814F8A1DAE63}" dt="2019-05-24T06:21:39.908" v="0" actId="478"/>
-          <ac:spMkLst>
-            <pc:docMk/>
-            <pc:sldMk cId="0" sldId="274"/>
-            <ac:spMk id="118" creationId="{B6CCA4B7-A9DD-49D8-883C-C855078C596F}"/>
-          </ac:spMkLst>
-        </pc:spChg>
-        <pc:spChg chg="del">
-          <ac:chgData name="Matt Carlson" userId="0e792f37f00095d9" providerId="LiveId" clId="{FAD5F499-209B-41A5-B992-814F8A1DAE63}" dt="2019-05-24T06:21:39.908" v="0" actId="478"/>
-          <ac:spMkLst>
-            <pc:docMk/>
-            <pc:sldMk cId="0" sldId="274"/>
-            <ac:spMk id="119" creationId="{F8AD4A5A-9137-4613-9800-F74C13A274E6}"/>
-          </ac:spMkLst>
-        </pc:spChg>
-        <pc:spChg chg="del">
-          <ac:chgData name="Matt Carlson" userId="0e792f37f00095d9" providerId="LiveId" clId="{FAD5F499-209B-41A5-B992-814F8A1DAE63}" dt="2019-05-24T06:21:39.908" v="0" actId="478"/>
-          <ac:spMkLst>
-            <pc:docMk/>
-            <pc:sldMk cId="0" sldId="274"/>
-            <ac:spMk id="130" creationId="{F70127B7-0351-466A-8062-A58094837A63}"/>
-          </ac:spMkLst>
-        </pc:spChg>
-        <pc:spChg chg="add mod">
-          <ac:chgData name="Matt Carlson" userId="0e792f37f00095d9" providerId="LiveId" clId="{FAD5F499-209B-41A5-B992-814F8A1DAE63}" dt="2019-05-26T14:55:40.410" v="353" actId="1076"/>
-          <ac:spMkLst>
-            <pc:docMk/>
-            <pc:sldMk cId="0" sldId="274"/>
-            <ac:spMk id="143" creationId="{B810AD42-F445-464A-929F-6F80E184D1D3}"/>
-          </ac:spMkLst>
-        </pc:spChg>
-        <pc:spChg chg="del">
-          <ac:chgData name="Matt Carlson" userId="0e792f37f00095d9" providerId="LiveId" clId="{FAD5F499-209B-41A5-B992-814F8A1DAE63}" dt="2019-05-24T06:21:39.908" v="0" actId="478"/>
-          <ac:spMkLst>
-            <pc:docMk/>
-            <pc:sldMk cId="0" sldId="274"/>
-            <ac:spMk id="169" creationId="{22D3E718-906C-4FC3-8BE8-F752B3C43967}"/>
-          </ac:spMkLst>
-        </pc:spChg>
-        <pc:spChg chg="del">
-          <ac:chgData name="Matt Carlson" userId="0e792f37f00095d9" providerId="LiveId" clId="{FAD5F499-209B-41A5-B992-814F8A1DAE63}" dt="2019-05-24T06:21:39.908" v="0" actId="478"/>
-          <ac:spMkLst>
-            <pc:docMk/>
-            <pc:sldMk cId="0" sldId="274"/>
-            <ac:spMk id="176" creationId="{F90835B5-990E-4EE2-BE13-6B013E67334E}"/>
-          </ac:spMkLst>
-        </pc:spChg>
-        <pc:spChg chg="del">
-          <ac:chgData name="Matt Carlson" userId="0e792f37f00095d9" providerId="LiveId" clId="{FAD5F499-209B-41A5-B992-814F8A1DAE63}" dt="2019-05-24T06:21:39.908" v="0" actId="478"/>
-          <ac:spMkLst>
-            <pc:docMk/>
-            <pc:sldMk cId="0" sldId="274"/>
-            <ac:spMk id="177" creationId="{C6B92204-4E45-4777-A390-39BE01B4DE8E}"/>
-          </ac:spMkLst>
-        </pc:spChg>
-        <pc:spChg chg="del">
-          <ac:chgData name="Matt Carlson" userId="0e792f37f00095d9" providerId="LiveId" clId="{FAD5F499-209B-41A5-B992-814F8A1DAE63}" dt="2019-05-24T06:21:39.908" v="0" actId="478"/>
-          <ac:spMkLst>
-            <pc:docMk/>
-            <pc:sldMk cId="0" sldId="274"/>
-            <ac:spMk id="178" creationId="{363E4109-AA05-4C41-B0ED-8E46A3C78584}"/>
-          </ac:spMkLst>
-        </pc:spChg>
-        <pc:spChg chg="del">
-          <ac:chgData name="Matt Carlson" userId="0e792f37f00095d9" providerId="LiveId" clId="{FAD5F499-209B-41A5-B992-814F8A1DAE63}" dt="2019-05-24T06:21:39.908" v="0" actId="478"/>
-          <ac:spMkLst>
-            <pc:docMk/>
-            <pc:sldMk cId="0" sldId="274"/>
-            <ac:spMk id="186" creationId="{77A2141A-93B6-4F61-9D9F-CCC4EF2F5102}"/>
-          </ac:spMkLst>
-        </pc:spChg>
-        <pc:spChg chg="del">
-          <ac:chgData name="Matt Carlson" userId="0e792f37f00095d9" providerId="LiveId" clId="{FAD5F499-209B-41A5-B992-814F8A1DAE63}" dt="2019-05-24T06:21:39.908" v="0" actId="478"/>
-          <ac:spMkLst>
-            <pc:docMk/>
-            <pc:sldMk cId="0" sldId="274"/>
-            <ac:spMk id="192" creationId="{73250CBA-9C89-4B3B-8598-0A1972AFC637}"/>
-          </ac:spMkLst>
-        </pc:spChg>
-        <pc:spChg chg="del">
-          <ac:chgData name="Matt Carlson" userId="0e792f37f00095d9" providerId="LiveId" clId="{FAD5F499-209B-41A5-B992-814F8A1DAE63}" dt="2019-05-24T06:21:39.908" v="0" actId="478"/>
-          <ac:spMkLst>
-            <pc:docMk/>
-            <pc:sldMk cId="0" sldId="274"/>
-            <ac:spMk id="224" creationId="{F4F0BF0D-065F-4145-88D3-5A288BA2D76C}"/>
-          </ac:spMkLst>
-        </pc:spChg>
-        <pc:spChg chg="del">
-          <ac:chgData name="Matt Carlson" userId="0e792f37f00095d9" providerId="LiveId" clId="{FAD5F499-209B-41A5-B992-814F8A1DAE63}" dt="2019-05-24T06:21:39.908" v="0" actId="478"/>
-          <ac:spMkLst>
-            <pc:docMk/>
-            <pc:sldMk cId="0" sldId="274"/>
-            <ac:spMk id="226" creationId="{C244D3CE-56FB-484F-8CAD-7844D7C98A4C}"/>
-          </ac:spMkLst>
-        </pc:spChg>
-        <pc:spChg chg="add mod">
-          <ac:chgData name="Matt Carlson" userId="0e792f37f00095d9" providerId="LiveId" clId="{FAD5F499-209B-41A5-B992-814F8A1DAE63}" dt="2019-05-24T07:15:38.963" v="224" actId="1076"/>
-          <ac:spMkLst>
-            <pc:docMk/>
-            <pc:sldMk cId="0" sldId="274"/>
-            <ac:spMk id="234" creationId="{D83C1F1B-5A8D-4220-A76D-DA491F6C3EF2}"/>
-          </ac:spMkLst>
-        </pc:spChg>
-        <pc:spChg chg="add mod ord">
-          <ac:chgData name="Matt Carlson" userId="0e792f37f00095d9" providerId="LiveId" clId="{FAD5F499-209B-41A5-B992-814F8A1DAE63}" dt="2019-05-24T07:15:38.963" v="224" actId="1076"/>
-          <ac:spMkLst>
-            <pc:docMk/>
-            <pc:sldMk cId="0" sldId="274"/>
-            <ac:spMk id="235" creationId="{5933598B-B721-478E-A6CF-85963701A98B}"/>
-          </ac:spMkLst>
-        </pc:spChg>
-        <pc:spChg chg="add mod">
-          <ac:chgData name="Matt Carlson" userId="0e792f37f00095d9" providerId="LiveId" clId="{FAD5F499-209B-41A5-B992-814F8A1DAE63}" dt="2019-05-24T07:15:38.963" v="224" actId="1076"/>
-          <ac:spMkLst>
-            <pc:docMk/>
-            <pc:sldMk cId="0" sldId="274"/>
-            <ac:spMk id="236" creationId="{9DDFE735-B72A-4272-91A3-83ED21BA6471}"/>
-          </ac:spMkLst>
-        </pc:spChg>
-        <pc:spChg chg="add mod">
-          <ac:chgData name="Matt Carlson" userId="0e792f37f00095d9" providerId="LiveId" clId="{FAD5F499-209B-41A5-B992-814F8A1DAE63}" dt="2019-05-24T07:15:38.963" v="224" actId="1076"/>
-          <ac:spMkLst>
-            <pc:docMk/>
-            <pc:sldMk cId="0" sldId="274"/>
-            <ac:spMk id="237" creationId="{2701F47D-95CA-401B-84F0-431560B8971B}"/>
-          </ac:spMkLst>
-        </pc:spChg>
-        <pc:spChg chg="del">
-          <ac:chgData name="Matt Carlson" userId="0e792f37f00095d9" providerId="LiveId" clId="{FAD5F499-209B-41A5-B992-814F8A1DAE63}" dt="2019-05-24T06:29:49.042" v="35" actId="478"/>
-          <ac:spMkLst>
-            <pc:docMk/>
-            <pc:sldMk cId="0" sldId="274"/>
-            <ac:spMk id="243" creationId="{D64EB58D-C32C-43B2-BD18-EFDCA27BD799}"/>
-          </ac:spMkLst>
-        </pc:spChg>
-        <pc:spChg chg="del topLvl">
-          <ac:chgData name="Matt Carlson" userId="0e792f37f00095d9" providerId="LiveId" clId="{FAD5F499-209B-41A5-B992-814F8A1DAE63}" dt="2019-05-24T06:29:51.195" v="36" actId="478"/>
-          <ac:spMkLst>
-            <pc:docMk/>
-            <pc:sldMk cId="0" sldId="274"/>
-            <ac:spMk id="244" creationId="{C58292FF-7CE7-45D8-B312-8B7A6274E032}"/>
-          </ac:spMkLst>
-        </pc:spChg>
-        <pc:spChg chg="mod ord topLvl">
-          <ac:chgData name="Matt Carlson" userId="0e792f37f00095d9" providerId="LiveId" clId="{FAD5F499-209B-41A5-B992-814F8A1DAE63}" dt="2019-05-24T06:30:44.331" v="45" actId="164"/>
-          <ac:spMkLst>
-            <pc:docMk/>
-            <pc:sldMk cId="0" sldId="274"/>
-            <ac:spMk id="245" creationId="{555CD05B-1499-4389-BD35-EB73C5BF1159}"/>
-          </ac:spMkLst>
-        </pc:spChg>
-        <pc:spChg chg="add mod">
-          <ac:chgData name="Matt Carlson" userId="0e792f37f00095d9" providerId="LiveId" clId="{FAD5F499-209B-41A5-B992-814F8A1DAE63}" dt="2019-05-24T06:30:40.649" v="44" actId="164"/>
-          <ac:spMkLst>
-            <pc:docMk/>
-            <pc:sldMk cId="0" sldId="274"/>
-            <ac:spMk id="258" creationId="{6529DBBD-F244-4481-8CA2-26CED384C0BE}"/>
-          </ac:spMkLst>
-        </pc:spChg>
-        <pc:spChg chg="add mod">
-          <ac:chgData name="Matt Carlson" userId="0e792f37f00095d9" providerId="LiveId" clId="{FAD5F499-209B-41A5-B992-814F8A1DAE63}" dt="2019-05-24T07:15:38.963" v="224" actId="1076"/>
-          <ac:spMkLst>
-            <pc:docMk/>
-            <pc:sldMk cId="0" sldId="274"/>
-            <ac:spMk id="260" creationId="{53D4671D-34FB-40EE-B2E0-85E96E49C42B}"/>
-          </ac:spMkLst>
-        </pc:spChg>
-        <pc:spChg chg="add mod">
-          <ac:chgData name="Matt Carlson" userId="0e792f37f00095d9" providerId="LiveId" clId="{FAD5F499-209B-41A5-B992-814F8A1DAE63}" dt="2019-05-24T07:15:38.963" v="224" actId="1076"/>
-          <ac:spMkLst>
-            <pc:docMk/>
-            <pc:sldMk cId="0" sldId="274"/>
-            <ac:spMk id="274" creationId="{3E1B89AC-D1E3-478A-97D0-0E7D98B27997}"/>
-          </ac:spMkLst>
-        </pc:spChg>
-        <pc:spChg chg="add mod ord">
-          <ac:chgData name="Matt Carlson" userId="0e792f37f00095d9" providerId="LiveId" clId="{FAD5F499-209B-41A5-B992-814F8A1DAE63}" dt="2019-05-24T07:15:38.963" v="224" actId="1076"/>
-          <ac:spMkLst>
-            <pc:docMk/>
-            <pc:sldMk cId="0" sldId="274"/>
-            <ac:spMk id="283" creationId="{B6277E89-6024-47C7-904B-29834355E750}"/>
-          </ac:spMkLst>
-        </pc:spChg>
-        <pc:spChg chg="add mod ord">
-          <ac:chgData name="Matt Carlson" userId="0e792f37f00095d9" providerId="LiveId" clId="{FAD5F499-209B-41A5-B992-814F8A1DAE63}" dt="2019-05-24T07:15:38.963" v="224" actId="1076"/>
-          <ac:spMkLst>
-            <pc:docMk/>
-            <pc:sldMk cId="0" sldId="274"/>
-            <ac:spMk id="284" creationId="{C345E80E-C525-473D-A14A-A7236AC1FEAD}"/>
-          </ac:spMkLst>
-        </pc:spChg>
-        <pc:grpChg chg="add mod ord">
-          <ac:chgData name="Matt Carlson" userId="0e792f37f00095d9" providerId="LiveId" clId="{FAD5F499-209B-41A5-B992-814F8A1DAE63}" dt="2019-05-24T07:15:38.963" v="224" actId="1076"/>
-          <ac:grpSpMkLst>
-            <pc:docMk/>
-            <pc:sldMk cId="0" sldId="274"/>
-            <ac:grpSpMk id="3" creationId="{6C7B07C8-5189-484D-A780-23D07C61CF12}"/>
-          </ac:grpSpMkLst>
-        </pc:grpChg>
-        <pc:grpChg chg="add mod ord">
-          <ac:chgData name="Matt Carlson" userId="0e792f37f00095d9" providerId="LiveId" clId="{FAD5F499-209B-41A5-B992-814F8A1DAE63}" dt="2019-05-24T07:15:38.963" v="224" actId="1076"/>
-          <ac:grpSpMkLst>
-            <pc:docMk/>
-            <pc:sldMk cId="0" sldId="274"/>
-            <ac:grpSpMk id="4" creationId="{8785887F-DECC-47E4-A37C-401A7817AF44}"/>
-          </ac:grpSpMkLst>
-        </pc:grpChg>
-        <pc:grpChg chg="del">
-          <ac:chgData name="Matt Carlson" userId="0e792f37f00095d9" providerId="LiveId" clId="{FAD5F499-209B-41A5-B992-814F8A1DAE63}" dt="2019-05-24T06:21:39.908" v="0" actId="478"/>
-          <ac:grpSpMkLst>
-            <pc:docMk/>
-            <pc:sldMk cId="0" sldId="274"/>
-            <ac:grpSpMk id="94" creationId="{6DBFD920-7BA5-4B5B-92AC-CE24DDCA5B0C}"/>
-          </ac:grpSpMkLst>
-        </pc:grpChg>
-        <pc:grpChg chg="del">
-          <ac:chgData name="Matt Carlson" userId="0e792f37f00095d9" providerId="LiveId" clId="{FAD5F499-209B-41A5-B992-814F8A1DAE63}" dt="2019-05-24T06:21:39.908" v="0" actId="478"/>
-          <ac:grpSpMkLst>
-            <pc:docMk/>
-            <pc:sldMk cId="0" sldId="274"/>
-            <ac:grpSpMk id="98" creationId="{76F3B999-062B-4F4A-9ED6-5B0855B55664}"/>
-          </ac:grpSpMkLst>
-        </pc:grpChg>
-        <pc:grpChg chg="del">
-          <ac:chgData name="Matt Carlson" userId="0e792f37f00095d9" providerId="LiveId" clId="{FAD5F499-209B-41A5-B992-814F8A1DAE63}" dt="2019-05-24T06:21:39.908" v="0" actId="478"/>
-          <ac:grpSpMkLst>
-            <pc:docMk/>
-            <pc:sldMk cId="0" sldId="274"/>
-            <ac:grpSpMk id="101" creationId="{22DFA2FC-7C89-4392-B3BA-C1C7D0E3188A}"/>
-          </ac:grpSpMkLst>
-        </pc:grpChg>
-        <pc:grpChg chg="del">
-          <ac:chgData name="Matt Carlson" userId="0e792f37f00095d9" providerId="LiveId" clId="{FAD5F499-209B-41A5-B992-814F8A1DAE63}" dt="2019-05-24T06:21:39.908" v="0" actId="478"/>
-          <ac:grpSpMkLst>
-            <pc:docMk/>
-            <pc:sldMk cId="0" sldId="274"/>
-            <ac:grpSpMk id="107" creationId="{E1FC31E3-3B1C-4BFA-94CC-E00723157059}"/>
-          </ac:grpSpMkLst>
-        </pc:grpChg>
-        <pc:grpChg chg="del">
-          <ac:chgData name="Matt Carlson" userId="0e792f37f00095d9" providerId="LiveId" clId="{FAD5F499-209B-41A5-B992-814F8A1DAE63}" dt="2019-05-24T06:21:39.908" v="0" actId="478"/>
-          <ac:grpSpMkLst>
-            <pc:docMk/>
-            <pc:sldMk cId="0" sldId="274"/>
-            <ac:grpSpMk id="113" creationId="{6504B217-319A-448F-B4E0-802613B1E516}"/>
-          </ac:grpSpMkLst>
-        </pc:grpChg>
-        <pc:grpChg chg="del">
-          <ac:chgData name="Matt Carlson" userId="0e792f37f00095d9" providerId="LiveId" clId="{FAD5F499-209B-41A5-B992-814F8A1DAE63}" dt="2019-05-24T06:21:39.908" v="0" actId="478"/>
-          <ac:grpSpMkLst>
-            <pc:docMk/>
-            <pc:sldMk cId="0" sldId="274"/>
-            <ac:grpSpMk id="120" creationId="{12A15363-B780-43BF-8A49-D6FBCDF7F4F5}"/>
-          </ac:grpSpMkLst>
-        </pc:grpChg>
-        <pc:grpChg chg="del">
-          <ac:chgData name="Matt Carlson" userId="0e792f37f00095d9" providerId="LiveId" clId="{FAD5F499-209B-41A5-B992-814F8A1DAE63}" dt="2019-05-24T06:21:39.908" v="0" actId="478"/>
-          <ac:grpSpMkLst>
-            <pc:docMk/>
-            <pc:sldMk cId="0" sldId="274"/>
-            <ac:grpSpMk id="126" creationId="{97AB67AF-C70A-4645-9A6F-5E8FDD7F6720}"/>
-          </ac:grpSpMkLst>
-        </pc:grpChg>
-        <pc:grpChg chg="del">
-          <ac:chgData name="Matt Carlson" userId="0e792f37f00095d9" providerId="LiveId" clId="{FAD5F499-209B-41A5-B992-814F8A1DAE63}" dt="2019-05-24T06:21:39.908" v="0" actId="478"/>
-          <ac:grpSpMkLst>
-            <pc:docMk/>
-            <pc:sldMk cId="0" sldId="274"/>
-            <ac:grpSpMk id="131" creationId="{88F7B05A-1EEF-4CA2-B70F-6328F6F65209}"/>
-          </ac:grpSpMkLst>
-        </pc:grpChg>
-        <pc:grpChg chg="del">
-          <ac:chgData name="Matt Carlson" userId="0e792f37f00095d9" providerId="LiveId" clId="{FAD5F499-209B-41A5-B992-814F8A1DAE63}" dt="2019-05-24T06:21:39.908" v="0" actId="478"/>
-          <ac:grpSpMkLst>
-            <pc:docMk/>
-            <pc:sldMk cId="0" sldId="274"/>
-            <ac:grpSpMk id="135" creationId="{26AE530C-BB67-4706-B666-C4FF37FA4B6F}"/>
-          </ac:grpSpMkLst>
-        </pc:grpChg>
-        <pc:grpChg chg="del">
-          <ac:chgData name="Matt Carlson" userId="0e792f37f00095d9" providerId="LiveId" clId="{FAD5F499-209B-41A5-B992-814F8A1DAE63}" dt="2019-05-24T06:21:39.908" v="0" actId="478"/>
-          <ac:grpSpMkLst>
-            <pc:docMk/>
-            <pc:sldMk cId="0" sldId="274"/>
-            <ac:grpSpMk id="141" creationId="{C8589D5A-E5C0-4765-BC3D-2EA1EB29C53D}"/>
-          </ac:grpSpMkLst>
-        </pc:grpChg>
-        <pc:grpChg chg="add mod">
-          <ac:chgData name="Matt Carlson" userId="0e792f37f00095d9" providerId="LiveId" clId="{FAD5F499-209B-41A5-B992-814F8A1DAE63}" dt="2019-05-24T07:15:38.963" v="224" actId="1076"/>
-          <ac:grpSpMkLst>
-            <pc:docMk/>
-            <pc:sldMk cId="0" sldId="274"/>
-            <ac:grpSpMk id="144" creationId="{37D4B950-9846-4A7E-B5D6-5F1144BEDF88}"/>
-          </ac:grpSpMkLst>
-        </pc:grpChg>
-        <pc:grpChg chg="del">
-          <ac:chgData name="Matt Carlson" userId="0e792f37f00095d9" providerId="LiveId" clId="{FAD5F499-209B-41A5-B992-814F8A1DAE63}" dt="2019-05-24T06:21:39.908" v="0" actId="478"/>
-          <ac:grpSpMkLst>
-            <pc:docMk/>
-            <pc:sldMk cId="0" sldId="274"/>
-            <ac:grpSpMk id="148" creationId="{8C3CDF3D-09CB-4B49-91D5-FB30C452D499}"/>
-          </ac:grpSpMkLst>
-        </pc:grpChg>
-        <pc:grpChg chg="del">
-          <ac:chgData name="Matt Carlson" userId="0e792f37f00095d9" providerId="LiveId" clId="{FAD5F499-209B-41A5-B992-814F8A1DAE63}" dt="2019-05-24T06:21:39.908" v="0" actId="478"/>
-          <ac:grpSpMkLst>
-            <pc:docMk/>
-            <pc:sldMk cId="0" sldId="274"/>
-            <ac:grpSpMk id="151" creationId="{D63CC604-6259-4E39-950B-33233D8AB839}"/>
-          </ac:grpSpMkLst>
-        </pc:grpChg>
-        <pc:grpChg chg="del">
-          <ac:chgData name="Matt Carlson" userId="0e792f37f00095d9" providerId="LiveId" clId="{FAD5F499-209B-41A5-B992-814F8A1DAE63}" dt="2019-05-24T06:21:39.908" v="0" actId="478"/>
-          <ac:grpSpMkLst>
-            <pc:docMk/>
-            <pc:sldMk cId="0" sldId="274"/>
-            <ac:grpSpMk id="154" creationId="{4936B801-28FD-40C2-82F5-6EE7D86798BE}"/>
-          </ac:grpSpMkLst>
-        </pc:grpChg>
-        <pc:grpChg chg="del">
-          <ac:chgData name="Matt Carlson" userId="0e792f37f00095d9" providerId="LiveId" clId="{FAD5F499-209B-41A5-B992-814F8A1DAE63}" dt="2019-05-24T06:21:39.908" v="0" actId="478"/>
-          <ac:grpSpMkLst>
-            <pc:docMk/>
-            <pc:sldMk cId="0" sldId="274"/>
-            <ac:grpSpMk id="158" creationId="{46B47EB6-0904-42FF-982F-DDA112D4910C}"/>
-          </ac:grpSpMkLst>
-        </pc:grpChg>
-        <pc:grpChg chg="del">
-          <ac:chgData name="Matt Carlson" userId="0e792f37f00095d9" providerId="LiveId" clId="{FAD5F499-209B-41A5-B992-814F8A1DAE63}" dt="2019-05-24T06:21:39.908" v="0" actId="478"/>
-          <ac:grpSpMkLst>
-            <pc:docMk/>
-            <pc:sldMk cId="0" sldId="274"/>
-            <ac:grpSpMk id="165" creationId="{3C2BF5C8-08E4-4FA8-8D48-5AB45EBD8E49}"/>
-          </ac:grpSpMkLst>
-        </pc:grpChg>
-        <pc:grpChg chg="del">
-          <ac:chgData name="Matt Carlson" userId="0e792f37f00095d9" providerId="LiveId" clId="{FAD5F499-209B-41A5-B992-814F8A1DAE63}" dt="2019-05-24T06:21:39.908" v="0" actId="478"/>
-          <ac:grpSpMkLst>
-            <pc:docMk/>
-            <pc:sldMk cId="0" sldId="274"/>
-            <ac:grpSpMk id="170" creationId="{715AE625-CB14-48AB-85FC-AD54476D8B52}"/>
-          </ac:grpSpMkLst>
-        </pc:grpChg>
-        <pc:grpChg chg="del">
-          <ac:chgData name="Matt Carlson" userId="0e792f37f00095d9" providerId="LiveId" clId="{FAD5F499-209B-41A5-B992-814F8A1DAE63}" dt="2019-05-24T06:21:39.908" v="0" actId="478"/>
-          <ac:grpSpMkLst>
-            <pc:docMk/>
-            <pc:sldMk cId="0" sldId="274"/>
-            <ac:grpSpMk id="173" creationId="{BA78281D-D6A5-4B2F-89B9-C66F14B886B9}"/>
-          </ac:grpSpMkLst>
-        </pc:grpChg>
-        <pc:grpChg chg="del">
-          <ac:chgData name="Matt Carlson" userId="0e792f37f00095d9" providerId="LiveId" clId="{FAD5F499-209B-41A5-B992-814F8A1DAE63}" dt="2019-05-24T06:21:39.908" v="0" actId="478"/>
-          <ac:grpSpMkLst>
-            <pc:docMk/>
-            <pc:sldMk cId="0" sldId="274"/>
-            <ac:grpSpMk id="179" creationId="{A3AFDFEA-61D2-474D-BDD5-EC5CA5B4AA62}"/>
-          </ac:grpSpMkLst>
-        </pc:grpChg>
-        <pc:grpChg chg="del">
-          <ac:chgData name="Matt Carlson" userId="0e792f37f00095d9" providerId="LiveId" clId="{FAD5F499-209B-41A5-B992-814F8A1DAE63}" dt="2019-05-24T06:21:39.908" v="0" actId="478"/>
-          <ac:grpSpMkLst>
-            <pc:docMk/>
-            <pc:sldMk cId="0" sldId="274"/>
-            <ac:grpSpMk id="183" creationId="{B09BFF96-7C26-46B4-BEB8-44AAA2EF3D9A}"/>
-          </ac:grpSpMkLst>
-        </pc:grpChg>
-        <pc:grpChg chg="del">
-          <ac:chgData name="Matt Carlson" userId="0e792f37f00095d9" providerId="LiveId" clId="{FAD5F499-209B-41A5-B992-814F8A1DAE63}" dt="2019-05-24T06:21:39.908" v="0" actId="478"/>
-          <ac:grpSpMkLst>
-            <pc:docMk/>
-            <pc:sldMk cId="0" sldId="274"/>
-            <ac:grpSpMk id="195" creationId="{EE4991B4-7538-4E9C-87C2-442E9AEFFFD5}"/>
-          </ac:grpSpMkLst>
-        </pc:grpChg>
-        <pc:grpChg chg="del">
-          <ac:chgData name="Matt Carlson" userId="0e792f37f00095d9" providerId="LiveId" clId="{FAD5F499-209B-41A5-B992-814F8A1DAE63}" dt="2019-05-24T06:21:39.908" v="0" actId="478"/>
-          <ac:grpSpMkLst>
-            <pc:docMk/>
-            <pc:sldMk cId="0" sldId="274"/>
-            <ac:grpSpMk id="198" creationId="{69376C4C-91D0-473D-82DB-6800C7F407F6}"/>
-          </ac:grpSpMkLst>
-        </pc:grpChg>
-        <pc:grpChg chg="del">
-          <ac:chgData name="Matt Carlson" userId="0e792f37f00095d9" providerId="LiveId" clId="{FAD5F499-209B-41A5-B992-814F8A1DAE63}" dt="2019-05-24T06:21:39.908" v="0" actId="478"/>
-          <ac:grpSpMkLst>
-            <pc:docMk/>
-            <pc:sldMk cId="0" sldId="274"/>
-            <ac:grpSpMk id="204" creationId="{E63C0BF2-F030-4D02-9AAB-763440627BE2}"/>
-          </ac:grpSpMkLst>
-        </pc:grpChg>
-        <pc:grpChg chg="del">
-          <ac:chgData name="Matt Carlson" userId="0e792f37f00095d9" providerId="LiveId" clId="{FAD5F499-209B-41A5-B992-814F8A1DAE63}" dt="2019-05-24T06:21:39.908" v="0" actId="478"/>
-          <ac:grpSpMkLst>
-            <pc:docMk/>
-            <pc:sldMk cId="0" sldId="274"/>
-            <ac:grpSpMk id="210" creationId="{C99240D5-58AA-4A30-A7B5-57BCE53C566E}"/>
-          </ac:grpSpMkLst>
-        </pc:grpChg>
-        <pc:grpChg chg="del">
-          <ac:chgData name="Matt Carlson" userId="0e792f37f00095d9" providerId="LiveId" clId="{FAD5F499-209B-41A5-B992-814F8A1DAE63}" dt="2019-05-24T06:21:39.908" v="0" actId="478"/>
-          <ac:grpSpMkLst>
-            <pc:docMk/>
-            <pc:sldMk cId="0" sldId="274"/>
-            <ac:grpSpMk id="216" creationId="{9AB5721F-CE98-4DB3-9F62-2C68F21B709E}"/>
-          </ac:grpSpMkLst>
-        </pc:grpChg>
-        <pc:grpChg chg="del">
-          <ac:chgData name="Matt Carlson" userId="0e792f37f00095d9" providerId="LiveId" clId="{FAD5F499-209B-41A5-B992-814F8A1DAE63}" dt="2019-05-24T06:21:39.908" v="0" actId="478"/>
-          <ac:grpSpMkLst>
-            <pc:docMk/>
-            <pc:sldMk cId="0" sldId="274"/>
-            <ac:grpSpMk id="220" creationId="{F7245A19-821A-440E-8E81-AEE57BAB16EA}"/>
-          </ac:grpSpMkLst>
-        </pc:grpChg>
-        <pc:grpChg chg="add mod">
-          <ac:chgData name="Matt Carlson" userId="0e792f37f00095d9" providerId="LiveId" clId="{FAD5F499-209B-41A5-B992-814F8A1DAE63}" dt="2019-05-24T07:15:38.963" v="224" actId="1076"/>
-          <ac:grpSpMkLst>
-            <pc:docMk/>
-            <pc:sldMk cId="0" sldId="274"/>
-            <ac:grpSpMk id="238" creationId="{8CA13960-651B-46B7-86E4-0F31FDAF2AF6}"/>
-          </ac:grpSpMkLst>
-        </pc:grpChg>
-        <pc:grpChg chg="add del mod">
-          <ac:chgData name="Matt Carlson" userId="0e792f37f00095d9" providerId="LiveId" clId="{FAD5F499-209B-41A5-B992-814F8A1DAE63}" dt="2019-05-24T06:29:51.195" v="36" actId="478"/>
-          <ac:grpSpMkLst>
-            <pc:docMk/>
-            <pc:sldMk cId="0" sldId="274"/>
-            <ac:grpSpMk id="242" creationId="{F335117F-7ED3-41A9-9465-ED898AE52518}"/>
-          </ac:grpSpMkLst>
-        </pc:grpChg>
-        <pc:grpChg chg="add mod">
-          <ac:chgData name="Matt Carlson" userId="0e792f37f00095d9" providerId="LiveId" clId="{FAD5F499-209B-41A5-B992-814F8A1DAE63}" dt="2019-05-24T07:15:38.963" v="224" actId="1076"/>
-          <ac:grpSpMkLst>
-            <pc:docMk/>
-            <pc:sldMk cId="0" sldId="274"/>
-            <ac:grpSpMk id="246" creationId="{1E3EC9D0-BAA0-4D7D-AF54-A62AD599A06E}"/>
-          </ac:grpSpMkLst>
-        </pc:grpChg>
-        <pc:grpChg chg="add mod">
-          <ac:chgData name="Matt Carlson" userId="0e792f37f00095d9" providerId="LiveId" clId="{FAD5F499-209B-41A5-B992-814F8A1DAE63}" dt="2019-05-24T07:15:38.963" v="224" actId="1076"/>
-          <ac:grpSpMkLst>
-            <pc:docMk/>
-            <pc:sldMk cId="0" sldId="274"/>
-            <ac:grpSpMk id="250" creationId="{2853020F-C77B-486C-A370-F97F0B16E30F}"/>
-          </ac:grpSpMkLst>
-        </pc:grpChg>
-        <pc:grpChg chg="add mod">
-          <ac:chgData name="Matt Carlson" userId="0e792f37f00095d9" providerId="LiveId" clId="{FAD5F499-209B-41A5-B992-814F8A1DAE63}" dt="2019-05-24T07:15:38.963" v="224" actId="1076"/>
-          <ac:grpSpMkLst>
-            <pc:docMk/>
-            <pc:sldMk cId="0" sldId="274"/>
-            <ac:grpSpMk id="254" creationId="{C49FCF74-82EA-4F07-91EA-A194EDEA5F4C}"/>
-          </ac:grpSpMkLst>
-        </pc:grpChg>
-        <pc:grpChg chg="add mod">
-          <ac:chgData name="Matt Carlson" userId="0e792f37f00095d9" providerId="LiveId" clId="{FAD5F499-209B-41A5-B992-814F8A1DAE63}" dt="2019-05-24T07:15:38.963" v="224" actId="1076"/>
-          <ac:grpSpMkLst>
-            <pc:docMk/>
-            <pc:sldMk cId="0" sldId="274"/>
-            <ac:grpSpMk id="261" creationId="{9EA2E05F-9B07-42D3-8F8C-AEDA470815C0}"/>
-          </ac:grpSpMkLst>
-        </pc:grpChg>
-        <pc:grpChg chg="add mod ord">
-          <ac:chgData name="Matt Carlson" userId="0e792f37f00095d9" providerId="LiveId" clId="{FAD5F499-209B-41A5-B992-814F8A1DAE63}" dt="2019-05-24T07:15:38.963" v="224" actId="1076"/>
-          <ac:grpSpMkLst>
-            <pc:docMk/>
-            <pc:sldMk cId="0" sldId="274"/>
-            <ac:grpSpMk id="264" creationId="{97EBA82E-012C-454E-A727-90809413BE6E}"/>
-          </ac:grpSpMkLst>
-        </pc:grpChg>
-        <pc:grpChg chg="add mod">
-          <ac:chgData name="Matt Carlson" userId="0e792f37f00095d9" providerId="LiveId" clId="{FAD5F499-209B-41A5-B992-814F8A1DAE63}" dt="2019-05-24T07:15:38.963" v="224" actId="1076"/>
-          <ac:grpSpMkLst>
-            <pc:docMk/>
-            <pc:sldMk cId="0" sldId="274"/>
-            <ac:grpSpMk id="270" creationId="{6006DF78-BA1D-434D-BD51-9868D278223F}"/>
-          </ac:grpSpMkLst>
-        </pc:grpChg>
-        <pc:grpChg chg="add mod ord">
-          <ac:chgData name="Matt Carlson" userId="0e792f37f00095d9" providerId="LiveId" clId="{FAD5F499-209B-41A5-B992-814F8A1DAE63}" dt="2019-05-24T07:15:38.963" v="224" actId="1076"/>
-          <ac:grpSpMkLst>
-            <pc:docMk/>
-            <pc:sldMk cId="0" sldId="274"/>
-            <ac:grpSpMk id="275" creationId="{8775C547-7076-447C-8921-3DBEC5FC38D1}"/>
-          </ac:grpSpMkLst>
-        </pc:grpChg>
-        <pc:grpChg chg="add mod">
-          <ac:chgData name="Matt Carlson" userId="0e792f37f00095d9" providerId="LiveId" clId="{FAD5F499-209B-41A5-B992-814F8A1DAE63}" dt="2019-05-24T07:15:38.963" v="224" actId="1076"/>
-          <ac:grpSpMkLst>
-            <pc:docMk/>
-            <pc:sldMk cId="0" sldId="274"/>
-            <ac:grpSpMk id="279" creationId="{F346761C-94D9-4D60-9E68-92D73A796F1F}"/>
-          </ac:grpSpMkLst>
-        </pc:grpChg>
-        <pc:grpChg chg="add mod ord">
-          <ac:chgData name="Matt Carlson" userId="0e792f37f00095d9" providerId="LiveId" clId="{FAD5F499-209B-41A5-B992-814F8A1DAE63}" dt="2019-05-24T07:15:38.963" v="224" actId="1076"/>
-          <ac:grpSpMkLst>
-            <pc:docMk/>
-            <pc:sldMk cId="0" sldId="274"/>
-            <ac:grpSpMk id="285" creationId="{F75A29A5-950A-4999-81CE-D19D8585B8E1}"/>
-          </ac:grpSpMkLst>
-        </pc:grpChg>
-        <pc:grpChg chg="add mod ord">
-          <ac:chgData name="Matt Carlson" userId="0e792f37f00095d9" providerId="LiveId" clId="{FAD5F499-209B-41A5-B992-814F8A1DAE63}" dt="2019-05-24T07:15:38.963" v="224" actId="1076"/>
-          <ac:grpSpMkLst>
-            <pc:docMk/>
-            <pc:sldMk cId="0" sldId="274"/>
-            <ac:grpSpMk id="289" creationId="{A7C5149F-6E0B-46AE-8EA0-8BDB2F7B861E}"/>
-          </ac:grpSpMkLst>
-        </pc:grpChg>
-        <pc:grpChg chg="add mod">
-          <ac:chgData name="Matt Carlson" userId="0e792f37f00095d9" providerId="LiveId" clId="{FAD5F499-209B-41A5-B992-814F8A1DAE63}" dt="2019-05-24T07:15:38.963" v="224" actId="1076"/>
-          <ac:grpSpMkLst>
-            <pc:docMk/>
-            <pc:sldMk cId="0" sldId="274"/>
-            <ac:grpSpMk id="296" creationId="{BD71A030-D63A-40F3-9168-A705036C7BF6}"/>
-          </ac:grpSpMkLst>
-        </pc:grpChg>
-        <pc:grpChg chg="add mod">
-          <ac:chgData name="Matt Carlson" userId="0e792f37f00095d9" providerId="LiveId" clId="{FAD5F499-209B-41A5-B992-814F8A1DAE63}" dt="2019-05-24T07:15:38.963" v="224" actId="1076"/>
-          <ac:grpSpMkLst>
-            <pc:docMk/>
-            <pc:sldMk cId="0" sldId="274"/>
-            <ac:grpSpMk id="300" creationId="{036AA125-B3F3-40E3-BA83-9D4C938BDD8D}"/>
-          </ac:grpSpMkLst>
-        </pc:grpChg>
-        <pc:grpChg chg="add mod">
-          <ac:chgData name="Matt Carlson" userId="0e792f37f00095d9" providerId="LiveId" clId="{FAD5F499-209B-41A5-B992-814F8A1DAE63}" dt="2019-05-24T07:15:38.963" v="224" actId="1076"/>
-          <ac:grpSpMkLst>
-            <pc:docMk/>
-            <pc:sldMk cId="0" sldId="274"/>
-            <ac:grpSpMk id="303" creationId="{49082555-9ADC-404F-8AD3-9485F82CCE1C}"/>
-          </ac:grpSpMkLst>
-        </pc:grpChg>
-        <pc:grpChg chg="add mod">
-          <ac:chgData name="Matt Carlson" userId="0e792f37f00095d9" providerId="LiveId" clId="{FAD5F499-209B-41A5-B992-814F8A1DAE63}" dt="2019-05-24T07:15:38.963" v="224" actId="1076"/>
-          <ac:grpSpMkLst>
-            <pc:docMk/>
-            <pc:sldMk cId="0" sldId="274"/>
-            <ac:grpSpMk id="306" creationId="{5873732E-E847-4156-9D49-6D8A16387E97}"/>
-          </ac:grpSpMkLst>
-        </pc:grpChg>
-        <pc:grpChg chg="add mod">
-          <ac:chgData name="Matt Carlson" userId="0e792f37f00095d9" providerId="LiveId" clId="{FAD5F499-209B-41A5-B992-814F8A1DAE63}" dt="2019-05-24T07:15:38.963" v="224" actId="1076"/>
-          <ac:grpSpMkLst>
-            <pc:docMk/>
-            <pc:sldMk cId="0" sldId="274"/>
-            <ac:grpSpMk id="309" creationId="{A8516F07-D5A9-4441-8DEF-CD5A0AFC25A5}"/>
-          </ac:grpSpMkLst>
-        </pc:grpChg>
-        <pc:grpChg chg="add mod">
-          <ac:chgData name="Matt Carlson" userId="0e792f37f00095d9" providerId="LiveId" clId="{FAD5F499-209B-41A5-B992-814F8A1DAE63}" dt="2019-05-24T07:15:38.963" v="224" actId="1076"/>
-          <ac:grpSpMkLst>
-            <pc:docMk/>
-            <pc:sldMk cId="0" sldId="274"/>
-            <ac:grpSpMk id="314" creationId="{CFDC560F-7C14-4D3C-940E-F4C42B80717C}"/>
-          </ac:grpSpMkLst>
-        </pc:grpChg>
-        <pc:graphicFrameChg chg="mod modGraphic">
-          <ac:chgData name="Matt Carlson" userId="0e792f37f00095d9" providerId="LiveId" clId="{FAD5F499-209B-41A5-B992-814F8A1DAE63}" dt="2019-05-26T14:57:40.745" v="511" actId="20577"/>
-          <ac:graphicFrameMkLst>
-            <pc:docMk/>
-            <pc:sldMk cId="0" sldId="274"/>
-            <ac:graphicFrameMk id="110" creationId="{00000000-0000-0000-0000-000000000000}"/>
-          </ac:graphicFrameMkLst>
-        </pc:graphicFrameChg>
-        <pc:cxnChg chg="add mod">
-          <ac:chgData name="Matt Carlson" userId="0e792f37f00095d9" providerId="LiveId" clId="{FAD5F499-209B-41A5-B992-814F8A1DAE63}" dt="2019-05-24T07:15:38.963" v="224" actId="1076"/>
-          <ac:cxnSpMkLst>
-            <pc:docMk/>
-            <pc:sldMk cId="0" sldId="274"/>
-            <ac:cxnSpMk id="134" creationId="{4E2F83B9-2897-4D2E-8BB2-816BD92E349E}"/>
-          </ac:cxnSpMkLst>
-        </pc:cxnChg>
-        <pc:cxnChg chg="del mod">
-          <ac:chgData name="Matt Carlson" userId="0e792f37f00095d9" providerId="LiveId" clId="{FAD5F499-209B-41A5-B992-814F8A1DAE63}" dt="2019-05-24T06:21:39.908" v="0" actId="478"/>
-          <ac:cxnSpMkLst>
-            <pc:docMk/>
-            <pc:sldMk cId="0" sldId="274"/>
-            <ac:cxnSpMk id="187" creationId="{F639F52B-1A38-4B65-B564-C339B757097E}"/>
-          </ac:cxnSpMkLst>
-        </pc:cxnChg>
-        <pc:cxnChg chg="del mod">
-          <ac:chgData name="Matt Carlson" userId="0e792f37f00095d9" providerId="LiveId" clId="{FAD5F499-209B-41A5-B992-814F8A1DAE63}" dt="2019-05-24T06:21:39.908" v="0" actId="478"/>
-          <ac:cxnSpMkLst>
-            <pc:docMk/>
-            <pc:sldMk cId="0" sldId="274"/>
-            <ac:cxnSpMk id="188" creationId="{914153AC-30C6-421F-BBE0-CE12F8DD459D}"/>
-          </ac:cxnSpMkLst>
-        </pc:cxnChg>
-        <pc:cxnChg chg="del">
-          <ac:chgData name="Matt Carlson" userId="0e792f37f00095d9" providerId="LiveId" clId="{FAD5F499-209B-41A5-B992-814F8A1DAE63}" dt="2019-05-24T06:21:39.908" v="0" actId="478"/>
-          <ac:cxnSpMkLst>
-            <pc:docMk/>
-            <pc:sldMk cId="0" sldId="274"/>
-            <ac:cxnSpMk id="189" creationId="{D499D3FE-A388-4FE4-973C-0238C5A50F19}"/>
-          </ac:cxnSpMkLst>
-        </pc:cxnChg>
-        <pc:cxnChg chg="del">
-          <ac:chgData name="Matt Carlson" userId="0e792f37f00095d9" providerId="LiveId" clId="{FAD5F499-209B-41A5-B992-814F8A1DAE63}" dt="2019-05-24T06:21:39.908" v="0" actId="478"/>
-          <ac:cxnSpMkLst>
-            <pc:docMk/>
-            <pc:sldMk cId="0" sldId="274"/>
-            <ac:cxnSpMk id="190" creationId="{4F9605E9-0FCB-4676-9FD4-352E0C94E51E}"/>
-          </ac:cxnSpMkLst>
-        </pc:cxnChg>
-        <pc:cxnChg chg="del">
-          <ac:chgData name="Matt Carlson" userId="0e792f37f00095d9" providerId="LiveId" clId="{FAD5F499-209B-41A5-B992-814F8A1DAE63}" dt="2019-05-24T06:21:39.908" v="0" actId="478"/>
-          <ac:cxnSpMkLst>
-            <pc:docMk/>
-            <pc:sldMk cId="0" sldId="274"/>
-            <ac:cxnSpMk id="225" creationId="{28ACE711-D2C9-4FAA-AD1B-6F59F8EC1F46}"/>
-          </ac:cxnSpMkLst>
-        </pc:cxnChg>
-        <pc:cxnChg chg="del">
-          <ac:chgData name="Matt Carlson" userId="0e792f37f00095d9" providerId="LiveId" clId="{FAD5F499-209B-41A5-B992-814F8A1DAE63}" dt="2019-05-24T06:21:39.908" v="0" actId="478"/>
-          <ac:cxnSpMkLst>
-            <pc:docMk/>
-            <pc:sldMk cId="0" sldId="274"/>
-            <ac:cxnSpMk id="227" creationId="{6EC2A9DE-8B0E-4C68-8D86-BBE3741C9D23}"/>
-          </ac:cxnSpMkLst>
-        </pc:cxnChg>
-        <pc:cxnChg chg="del">
-          <ac:chgData name="Matt Carlson" userId="0e792f37f00095d9" providerId="LiveId" clId="{FAD5F499-209B-41A5-B992-814F8A1DAE63}" dt="2019-05-24T06:21:39.908" v="0" actId="478"/>
-          <ac:cxnSpMkLst>
-            <pc:docMk/>
-            <pc:sldMk cId="0" sldId="274"/>
-            <ac:cxnSpMk id="230" creationId="{65218A77-BD40-496D-B653-DE5886BE703D}"/>
-          </ac:cxnSpMkLst>
-        </pc:cxnChg>
-        <pc:cxnChg chg="del mod">
-          <ac:chgData name="Matt Carlson" userId="0e792f37f00095d9" providerId="LiveId" clId="{FAD5F499-209B-41A5-B992-814F8A1DAE63}" dt="2019-05-24T06:21:39.908" v="0" actId="478"/>
-          <ac:cxnSpMkLst>
-            <pc:docMk/>
-            <pc:sldMk cId="0" sldId="274"/>
-            <ac:cxnSpMk id="233" creationId="{F547890D-4D6D-401F-965F-91C48BEF4021}"/>
-          </ac:cxnSpMkLst>
-        </pc:cxnChg>
-        <pc:cxnChg chg="add mod">
-          <ac:chgData name="Matt Carlson" userId="0e792f37f00095d9" providerId="LiveId" clId="{FAD5F499-209B-41A5-B992-814F8A1DAE63}" dt="2019-05-24T07:15:38.963" v="224" actId="1076"/>
-          <ac:cxnSpMkLst>
-            <pc:docMk/>
-            <pc:sldMk cId="0" sldId="274"/>
-            <ac:cxnSpMk id="259" creationId="{A1DD0740-2B66-44C2-9B66-1B8D1443B3C4}"/>
-          </ac:cxnSpMkLst>
-        </pc:cxnChg>
-        <pc:cxnChg chg="add mod">
-          <ac:chgData name="Matt Carlson" userId="0e792f37f00095d9" providerId="LiveId" clId="{FAD5F499-209B-41A5-B992-814F8A1DAE63}" dt="2019-05-24T07:15:38.963" v="224" actId="1076"/>
-          <ac:cxnSpMkLst>
-            <pc:docMk/>
-            <pc:sldMk cId="0" sldId="274"/>
-            <ac:cxnSpMk id="268" creationId="{852A13C5-FA78-4856-93A5-24063CE3F72E}"/>
-          </ac:cxnSpMkLst>
-        </pc:cxnChg>
-        <pc:cxnChg chg="add mod ord">
-          <ac:chgData name="Matt Carlson" userId="0e792f37f00095d9" providerId="LiveId" clId="{FAD5F499-209B-41A5-B992-814F8A1DAE63}" dt="2019-05-24T07:15:38.963" v="224" actId="1076"/>
-          <ac:cxnSpMkLst>
-            <pc:docMk/>
-            <pc:sldMk cId="0" sldId="274"/>
-            <ac:cxnSpMk id="269" creationId="{CC5495E1-A07D-4318-A099-24745C907D82}"/>
-          </ac:cxnSpMkLst>
-        </pc:cxnChg>
-        <pc:cxnChg chg="add mod">
-          <ac:chgData name="Matt Carlson" userId="0e792f37f00095d9" providerId="LiveId" clId="{FAD5F499-209B-41A5-B992-814F8A1DAE63}" dt="2019-05-24T07:15:38.963" v="224" actId="1076"/>
-          <ac:cxnSpMkLst>
-            <pc:docMk/>
-            <pc:sldMk cId="0" sldId="274"/>
-            <ac:cxnSpMk id="293" creationId="{F98C886B-9B98-4737-B6BF-DC092791AED5}"/>
-          </ac:cxnSpMkLst>
-        </pc:cxnChg>
-        <pc:cxnChg chg="add mod">
-          <ac:chgData name="Matt Carlson" userId="0e792f37f00095d9" providerId="LiveId" clId="{FAD5F499-209B-41A5-B992-814F8A1DAE63}" dt="2019-05-24T07:15:38.963" v="224" actId="1076"/>
-          <ac:cxnSpMkLst>
-            <pc:docMk/>
-            <pc:sldMk cId="0" sldId="274"/>
-            <ac:cxnSpMk id="294" creationId="{F46C3220-4AD4-4ECA-8E6D-52ABBED185CC}"/>
-          </ac:cxnSpMkLst>
-        </pc:cxnChg>
-        <pc:cxnChg chg="add mod ord">
-          <ac:chgData name="Matt Carlson" userId="0e792f37f00095d9" providerId="LiveId" clId="{FAD5F499-209B-41A5-B992-814F8A1DAE63}" dt="2019-05-24T07:15:38.963" v="224" actId="1076"/>
-          <ac:cxnSpMkLst>
-            <pc:docMk/>
-            <pc:sldMk cId="0" sldId="274"/>
-            <ac:cxnSpMk id="295" creationId="{645C9F6C-045C-4BDF-81D2-8082140DE235}"/>
-          </ac:cxnSpMkLst>
-        </pc:cxnChg>
-        <pc:cxnChg chg="add mod">
-          <ac:chgData name="Matt Carlson" userId="0e792f37f00095d9" providerId="LiveId" clId="{FAD5F499-209B-41A5-B992-814F8A1DAE63}" dt="2019-05-24T07:15:38.963" v="224" actId="1076"/>
-          <ac:cxnSpMkLst>
-            <pc:docMk/>
-            <pc:sldMk cId="0" sldId="274"/>
-            <ac:cxnSpMk id="313" creationId="{C569F406-2C16-45F6-8946-CB5A80045EE0}"/>
           </ac:cxnSpMkLst>
         </pc:cxnChg>
       </pc:sldChg>
@@ -1979,6 +1251,734 @@
             <ac:picMk id="3114" creationId="{00000000-0000-0000-0000-000000000000}"/>
           </ac:picMkLst>
         </pc:picChg>
+      </pc:sldChg>
+    </pc:docChg>
+  </pc:docChgLst>
+  <pc:docChgLst>
+    <pc:chgData name="Matt Carlson" userId="0e792f37f00095d9" providerId="LiveId" clId="{FAD5F499-209B-41A5-B992-814F8A1DAE63}"/>
+    <pc:docChg chg="undo custSel modSld">
+      <pc:chgData name="Matt Carlson" userId="0e792f37f00095d9" providerId="LiveId" clId="{FAD5F499-209B-41A5-B992-814F8A1DAE63}" dt="2019-05-26T14:57:40.745" v="511" actId="20577"/>
+      <pc:docMkLst>
+        <pc:docMk/>
+      </pc:docMkLst>
+      <pc:sldChg chg="addSp delSp modSp">
+        <pc:chgData name="Matt Carlson" userId="0e792f37f00095d9" providerId="LiveId" clId="{FAD5F499-209B-41A5-B992-814F8A1DAE63}" dt="2019-05-26T14:57:40.745" v="511" actId="20577"/>
+        <pc:sldMkLst>
+          <pc:docMk/>
+          <pc:sldMk cId="0" sldId="274"/>
+        </pc:sldMkLst>
+        <pc:spChg chg="add mod">
+          <ac:chgData name="Matt Carlson" userId="0e792f37f00095d9" providerId="LiveId" clId="{FAD5F499-209B-41A5-B992-814F8A1DAE63}" dt="2019-05-26T14:55:46.755" v="355" actId="1076"/>
+          <ac:spMkLst>
+            <pc:docMk/>
+            <pc:sldMk cId="0" sldId="274"/>
+            <ac:spMk id="2" creationId="{366ED290-982C-4ACF-B90A-31B57E8CE0B8}"/>
+          </ac:spMkLst>
+        </pc:spChg>
+        <pc:spChg chg="del">
+          <ac:chgData name="Matt Carlson" userId="0e792f37f00095d9" providerId="LiveId" clId="{FAD5F499-209B-41A5-B992-814F8A1DAE63}" dt="2019-05-24T06:21:39.908" v="0" actId="478"/>
+          <ac:spMkLst>
+            <pc:docMk/>
+            <pc:sldMk cId="0" sldId="274"/>
+            <ac:spMk id="93" creationId="{94E944EB-6B33-44F6-96B7-2AF31093415F}"/>
+          </ac:spMkLst>
+        </pc:spChg>
+        <pc:spChg chg="del">
+          <ac:chgData name="Matt Carlson" userId="0e792f37f00095d9" providerId="LiveId" clId="{FAD5F499-209B-41A5-B992-814F8A1DAE63}" dt="2019-05-24T06:21:39.908" v="0" actId="478"/>
+          <ac:spMkLst>
+            <pc:docMk/>
+            <pc:sldMk cId="0" sldId="274"/>
+            <ac:spMk id="118" creationId="{B6CCA4B7-A9DD-49D8-883C-C855078C596F}"/>
+          </ac:spMkLst>
+        </pc:spChg>
+        <pc:spChg chg="del">
+          <ac:chgData name="Matt Carlson" userId="0e792f37f00095d9" providerId="LiveId" clId="{FAD5F499-209B-41A5-B992-814F8A1DAE63}" dt="2019-05-24T06:21:39.908" v="0" actId="478"/>
+          <ac:spMkLst>
+            <pc:docMk/>
+            <pc:sldMk cId="0" sldId="274"/>
+            <ac:spMk id="119" creationId="{F8AD4A5A-9137-4613-9800-F74C13A274E6}"/>
+          </ac:spMkLst>
+        </pc:spChg>
+        <pc:spChg chg="del">
+          <ac:chgData name="Matt Carlson" userId="0e792f37f00095d9" providerId="LiveId" clId="{FAD5F499-209B-41A5-B992-814F8A1DAE63}" dt="2019-05-24T06:21:39.908" v="0" actId="478"/>
+          <ac:spMkLst>
+            <pc:docMk/>
+            <pc:sldMk cId="0" sldId="274"/>
+            <ac:spMk id="130" creationId="{F70127B7-0351-466A-8062-A58094837A63}"/>
+          </ac:spMkLst>
+        </pc:spChg>
+        <pc:spChg chg="add mod">
+          <ac:chgData name="Matt Carlson" userId="0e792f37f00095d9" providerId="LiveId" clId="{FAD5F499-209B-41A5-B992-814F8A1DAE63}" dt="2019-05-26T14:55:40.410" v="353" actId="1076"/>
+          <ac:spMkLst>
+            <pc:docMk/>
+            <pc:sldMk cId="0" sldId="274"/>
+            <ac:spMk id="143" creationId="{B810AD42-F445-464A-929F-6F80E184D1D3}"/>
+          </ac:spMkLst>
+        </pc:spChg>
+        <pc:spChg chg="del">
+          <ac:chgData name="Matt Carlson" userId="0e792f37f00095d9" providerId="LiveId" clId="{FAD5F499-209B-41A5-B992-814F8A1DAE63}" dt="2019-05-24T06:21:39.908" v="0" actId="478"/>
+          <ac:spMkLst>
+            <pc:docMk/>
+            <pc:sldMk cId="0" sldId="274"/>
+            <ac:spMk id="169" creationId="{22D3E718-906C-4FC3-8BE8-F752B3C43967}"/>
+          </ac:spMkLst>
+        </pc:spChg>
+        <pc:spChg chg="del">
+          <ac:chgData name="Matt Carlson" userId="0e792f37f00095d9" providerId="LiveId" clId="{FAD5F499-209B-41A5-B992-814F8A1DAE63}" dt="2019-05-24T06:21:39.908" v="0" actId="478"/>
+          <ac:spMkLst>
+            <pc:docMk/>
+            <pc:sldMk cId="0" sldId="274"/>
+            <ac:spMk id="176" creationId="{F90835B5-990E-4EE2-BE13-6B013E67334E}"/>
+          </ac:spMkLst>
+        </pc:spChg>
+        <pc:spChg chg="del">
+          <ac:chgData name="Matt Carlson" userId="0e792f37f00095d9" providerId="LiveId" clId="{FAD5F499-209B-41A5-B992-814F8A1DAE63}" dt="2019-05-24T06:21:39.908" v="0" actId="478"/>
+          <ac:spMkLst>
+            <pc:docMk/>
+            <pc:sldMk cId="0" sldId="274"/>
+            <ac:spMk id="177" creationId="{C6B92204-4E45-4777-A390-39BE01B4DE8E}"/>
+          </ac:spMkLst>
+        </pc:spChg>
+        <pc:spChg chg="del">
+          <ac:chgData name="Matt Carlson" userId="0e792f37f00095d9" providerId="LiveId" clId="{FAD5F499-209B-41A5-B992-814F8A1DAE63}" dt="2019-05-24T06:21:39.908" v="0" actId="478"/>
+          <ac:spMkLst>
+            <pc:docMk/>
+            <pc:sldMk cId="0" sldId="274"/>
+            <ac:spMk id="178" creationId="{363E4109-AA05-4C41-B0ED-8E46A3C78584}"/>
+          </ac:spMkLst>
+        </pc:spChg>
+        <pc:spChg chg="del">
+          <ac:chgData name="Matt Carlson" userId="0e792f37f00095d9" providerId="LiveId" clId="{FAD5F499-209B-41A5-B992-814F8A1DAE63}" dt="2019-05-24T06:21:39.908" v="0" actId="478"/>
+          <ac:spMkLst>
+            <pc:docMk/>
+            <pc:sldMk cId="0" sldId="274"/>
+            <ac:spMk id="186" creationId="{77A2141A-93B6-4F61-9D9F-CCC4EF2F5102}"/>
+          </ac:spMkLst>
+        </pc:spChg>
+        <pc:spChg chg="del">
+          <ac:chgData name="Matt Carlson" userId="0e792f37f00095d9" providerId="LiveId" clId="{FAD5F499-209B-41A5-B992-814F8A1DAE63}" dt="2019-05-24T06:21:39.908" v="0" actId="478"/>
+          <ac:spMkLst>
+            <pc:docMk/>
+            <pc:sldMk cId="0" sldId="274"/>
+            <ac:spMk id="192" creationId="{73250CBA-9C89-4B3B-8598-0A1972AFC637}"/>
+          </ac:spMkLst>
+        </pc:spChg>
+        <pc:spChg chg="del">
+          <ac:chgData name="Matt Carlson" userId="0e792f37f00095d9" providerId="LiveId" clId="{FAD5F499-209B-41A5-B992-814F8A1DAE63}" dt="2019-05-24T06:21:39.908" v="0" actId="478"/>
+          <ac:spMkLst>
+            <pc:docMk/>
+            <pc:sldMk cId="0" sldId="274"/>
+            <ac:spMk id="224" creationId="{F4F0BF0D-065F-4145-88D3-5A288BA2D76C}"/>
+          </ac:spMkLst>
+        </pc:spChg>
+        <pc:spChg chg="del">
+          <ac:chgData name="Matt Carlson" userId="0e792f37f00095d9" providerId="LiveId" clId="{FAD5F499-209B-41A5-B992-814F8A1DAE63}" dt="2019-05-24T06:21:39.908" v="0" actId="478"/>
+          <ac:spMkLst>
+            <pc:docMk/>
+            <pc:sldMk cId="0" sldId="274"/>
+            <ac:spMk id="226" creationId="{C244D3CE-56FB-484F-8CAD-7844D7C98A4C}"/>
+          </ac:spMkLst>
+        </pc:spChg>
+        <pc:spChg chg="add mod">
+          <ac:chgData name="Matt Carlson" userId="0e792f37f00095d9" providerId="LiveId" clId="{FAD5F499-209B-41A5-B992-814F8A1DAE63}" dt="2019-05-24T07:15:38.963" v="224" actId="1076"/>
+          <ac:spMkLst>
+            <pc:docMk/>
+            <pc:sldMk cId="0" sldId="274"/>
+            <ac:spMk id="234" creationId="{D83C1F1B-5A8D-4220-A76D-DA491F6C3EF2}"/>
+          </ac:spMkLst>
+        </pc:spChg>
+        <pc:spChg chg="add mod ord">
+          <ac:chgData name="Matt Carlson" userId="0e792f37f00095d9" providerId="LiveId" clId="{FAD5F499-209B-41A5-B992-814F8A1DAE63}" dt="2019-05-24T07:15:38.963" v="224" actId="1076"/>
+          <ac:spMkLst>
+            <pc:docMk/>
+            <pc:sldMk cId="0" sldId="274"/>
+            <ac:spMk id="235" creationId="{5933598B-B721-478E-A6CF-85963701A98B}"/>
+          </ac:spMkLst>
+        </pc:spChg>
+        <pc:spChg chg="add mod">
+          <ac:chgData name="Matt Carlson" userId="0e792f37f00095d9" providerId="LiveId" clId="{FAD5F499-209B-41A5-B992-814F8A1DAE63}" dt="2019-05-24T07:15:38.963" v="224" actId="1076"/>
+          <ac:spMkLst>
+            <pc:docMk/>
+            <pc:sldMk cId="0" sldId="274"/>
+            <ac:spMk id="236" creationId="{9DDFE735-B72A-4272-91A3-83ED21BA6471}"/>
+          </ac:spMkLst>
+        </pc:spChg>
+        <pc:spChg chg="add mod">
+          <ac:chgData name="Matt Carlson" userId="0e792f37f00095d9" providerId="LiveId" clId="{FAD5F499-209B-41A5-B992-814F8A1DAE63}" dt="2019-05-24T07:15:38.963" v="224" actId="1076"/>
+          <ac:spMkLst>
+            <pc:docMk/>
+            <pc:sldMk cId="0" sldId="274"/>
+            <ac:spMk id="237" creationId="{2701F47D-95CA-401B-84F0-431560B8971B}"/>
+          </ac:spMkLst>
+        </pc:spChg>
+        <pc:spChg chg="del">
+          <ac:chgData name="Matt Carlson" userId="0e792f37f00095d9" providerId="LiveId" clId="{FAD5F499-209B-41A5-B992-814F8A1DAE63}" dt="2019-05-24T06:29:49.042" v="35" actId="478"/>
+          <ac:spMkLst>
+            <pc:docMk/>
+            <pc:sldMk cId="0" sldId="274"/>
+            <ac:spMk id="243" creationId="{D64EB58D-C32C-43B2-BD18-EFDCA27BD799}"/>
+          </ac:spMkLst>
+        </pc:spChg>
+        <pc:spChg chg="del topLvl">
+          <ac:chgData name="Matt Carlson" userId="0e792f37f00095d9" providerId="LiveId" clId="{FAD5F499-209B-41A5-B992-814F8A1DAE63}" dt="2019-05-24T06:29:51.195" v="36" actId="478"/>
+          <ac:spMkLst>
+            <pc:docMk/>
+            <pc:sldMk cId="0" sldId="274"/>
+            <ac:spMk id="244" creationId="{C58292FF-7CE7-45D8-B312-8B7A6274E032}"/>
+          </ac:spMkLst>
+        </pc:spChg>
+        <pc:spChg chg="mod ord topLvl">
+          <ac:chgData name="Matt Carlson" userId="0e792f37f00095d9" providerId="LiveId" clId="{FAD5F499-209B-41A5-B992-814F8A1DAE63}" dt="2019-05-24T06:30:44.331" v="45" actId="164"/>
+          <ac:spMkLst>
+            <pc:docMk/>
+            <pc:sldMk cId="0" sldId="274"/>
+            <ac:spMk id="245" creationId="{555CD05B-1499-4389-BD35-EB73C5BF1159}"/>
+          </ac:spMkLst>
+        </pc:spChg>
+        <pc:spChg chg="add mod">
+          <ac:chgData name="Matt Carlson" userId="0e792f37f00095d9" providerId="LiveId" clId="{FAD5F499-209B-41A5-B992-814F8A1DAE63}" dt="2019-05-24T06:30:40.649" v="44" actId="164"/>
+          <ac:spMkLst>
+            <pc:docMk/>
+            <pc:sldMk cId="0" sldId="274"/>
+            <ac:spMk id="258" creationId="{6529DBBD-F244-4481-8CA2-26CED384C0BE}"/>
+          </ac:spMkLst>
+        </pc:spChg>
+        <pc:spChg chg="add mod">
+          <ac:chgData name="Matt Carlson" userId="0e792f37f00095d9" providerId="LiveId" clId="{FAD5F499-209B-41A5-B992-814F8A1DAE63}" dt="2019-05-24T07:15:38.963" v="224" actId="1076"/>
+          <ac:spMkLst>
+            <pc:docMk/>
+            <pc:sldMk cId="0" sldId="274"/>
+            <ac:spMk id="260" creationId="{53D4671D-34FB-40EE-B2E0-85E96E49C42B}"/>
+          </ac:spMkLst>
+        </pc:spChg>
+        <pc:spChg chg="add mod">
+          <ac:chgData name="Matt Carlson" userId="0e792f37f00095d9" providerId="LiveId" clId="{FAD5F499-209B-41A5-B992-814F8A1DAE63}" dt="2019-05-24T07:15:38.963" v="224" actId="1076"/>
+          <ac:spMkLst>
+            <pc:docMk/>
+            <pc:sldMk cId="0" sldId="274"/>
+            <ac:spMk id="274" creationId="{3E1B89AC-D1E3-478A-97D0-0E7D98B27997}"/>
+          </ac:spMkLst>
+        </pc:spChg>
+        <pc:spChg chg="add mod ord">
+          <ac:chgData name="Matt Carlson" userId="0e792f37f00095d9" providerId="LiveId" clId="{FAD5F499-209B-41A5-B992-814F8A1DAE63}" dt="2019-05-24T07:15:38.963" v="224" actId="1076"/>
+          <ac:spMkLst>
+            <pc:docMk/>
+            <pc:sldMk cId="0" sldId="274"/>
+            <ac:spMk id="283" creationId="{B6277E89-6024-47C7-904B-29834355E750}"/>
+          </ac:spMkLst>
+        </pc:spChg>
+        <pc:spChg chg="add mod ord">
+          <ac:chgData name="Matt Carlson" userId="0e792f37f00095d9" providerId="LiveId" clId="{FAD5F499-209B-41A5-B992-814F8A1DAE63}" dt="2019-05-24T07:15:38.963" v="224" actId="1076"/>
+          <ac:spMkLst>
+            <pc:docMk/>
+            <pc:sldMk cId="0" sldId="274"/>
+            <ac:spMk id="284" creationId="{C345E80E-C525-473D-A14A-A7236AC1FEAD}"/>
+          </ac:spMkLst>
+        </pc:spChg>
+        <pc:grpChg chg="add mod ord">
+          <ac:chgData name="Matt Carlson" userId="0e792f37f00095d9" providerId="LiveId" clId="{FAD5F499-209B-41A5-B992-814F8A1DAE63}" dt="2019-05-24T07:15:38.963" v="224" actId="1076"/>
+          <ac:grpSpMkLst>
+            <pc:docMk/>
+            <pc:sldMk cId="0" sldId="274"/>
+            <ac:grpSpMk id="3" creationId="{6C7B07C8-5189-484D-A780-23D07C61CF12}"/>
+          </ac:grpSpMkLst>
+        </pc:grpChg>
+        <pc:grpChg chg="add mod ord">
+          <ac:chgData name="Matt Carlson" userId="0e792f37f00095d9" providerId="LiveId" clId="{FAD5F499-209B-41A5-B992-814F8A1DAE63}" dt="2019-05-24T07:15:38.963" v="224" actId="1076"/>
+          <ac:grpSpMkLst>
+            <pc:docMk/>
+            <pc:sldMk cId="0" sldId="274"/>
+            <ac:grpSpMk id="4" creationId="{8785887F-DECC-47E4-A37C-401A7817AF44}"/>
+          </ac:grpSpMkLst>
+        </pc:grpChg>
+        <pc:grpChg chg="del">
+          <ac:chgData name="Matt Carlson" userId="0e792f37f00095d9" providerId="LiveId" clId="{FAD5F499-209B-41A5-B992-814F8A1DAE63}" dt="2019-05-24T06:21:39.908" v="0" actId="478"/>
+          <ac:grpSpMkLst>
+            <pc:docMk/>
+            <pc:sldMk cId="0" sldId="274"/>
+            <ac:grpSpMk id="94" creationId="{6DBFD920-7BA5-4B5B-92AC-CE24DDCA5B0C}"/>
+          </ac:grpSpMkLst>
+        </pc:grpChg>
+        <pc:grpChg chg="del">
+          <ac:chgData name="Matt Carlson" userId="0e792f37f00095d9" providerId="LiveId" clId="{FAD5F499-209B-41A5-B992-814F8A1DAE63}" dt="2019-05-24T06:21:39.908" v="0" actId="478"/>
+          <ac:grpSpMkLst>
+            <pc:docMk/>
+            <pc:sldMk cId="0" sldId="274"/>
+            <ac:grpSpMk id="98" creationId="{76F3B999-062B-4F4A-9ED6-5B0855B55664}"/>
+          </ac:grpSpMkLst>
+        </pc:grpChg>
+        <pc:grpChg chg="del">
+          <ac:chgData name="Matt Carlson" userId="0e792f37f00095d9" providerId="LiveId" clId="{FAD5F499-209B-41A5-B992-814F8A1DAE63}" dt="2019-05-24T06:21:39.908" v="0" actId="478"/>
+          <ac:grpSpMkLst>
+            <pc:docMk/>
+            <pc:sldMk cId="0" sldId="274"/>
+            <ac:grpSpMk id="101" creationId="{22DFA2FC-7C89-4392-B3BA-C1C7D0E3188A}"/>
+          </ac:grpSpMkLst>
+        </pc:grpChg>
+        <pc:grpChg chg="del">
+          <ac:chgData name="Matt Carlson" userId="0e792f37f00095d9" providerId="LiveId" clId="{FAD5F499-209B-41A5-B992-814F8A1DAE63}" dt="2019-05-24T06:21:39.908" v="0" actId="478"/>
+          <ac:grpSpMkLst>
+            <pc:docMk/>
+            <pc:sldMk cId="0" sldId="274"/>
+            <ac:grpSpMk id="107" creationId="{E1FC31E3-3B1C-4BFA-94CC-E00723157059}"/>
+          </ac:grpSpMkLst>
+        </pc:grpChg>
+        <pc:grpChg chg="del">
+          <ac:chgData name="Matt Carlson" userId="0e792f37f00095d9" providerId="LiveId" clId="{FAD5F499-209B-41A5-B992-814F8A1DAE63}" dt="2019-05-24T06:21:39.908" v="0" actId="478"/>
+          <ac:grpSpMkLst>
+            <pc:docMk/>
+            <pc:sldMk cId="0" sldId="274"/>
+            <ac:grpSpMk id="113" creationId="{6504B217-319A-448F-B4E0-802613B1E516}"/>
+          </ac:grpSpMkLst>
+        </pc:grpChg>
+        <pc:grpChg chg="del">
+          <ac:chgData name="Matt Carlson" userId="0e792f37f00095d9" providerId="LiveId" clId="{FAD5F499-209B-41A5-B992-814F8A1DAE63}" dt="2019-05-24T06:21:39.908" v="0" actId="478"/>
+          <ac:grpSpMkLst>
+            <pc:docMk/>
+            <pc:sldMk cId="0" sldId="274"/>
+            <ac:grpSpMk id="120" creationId="{12A15363-B780-43BF-8A49-D6FBCDF7F4F5}"/>
+          </ac:grpSpMkLst>
+        </pc:grpChg>
+        <pc:grpChg chg="del">
+          <ac:chgData name="Matt Carlson" userId="0e792f37f00095d9" providerId="LiveId" clId="{FAD5F499-209B-41A5-B992-814F8A1DAE63}" dt="2019-05-24T06:21:39.908" v="0" actId="478"/>
+          <ac:grpSpMkLst>
+            <pc:docMk/>
+            <pc:sldMk cId="0" sldId="274"/>
+            <ac:grpSpMk id="126" creationId="{97AB67AF-C70A-4645-9A6F-5E8FDD7F6720}"/>
+          </ac:grpSpMkLst>
+        </pc:grpChg>
+        <pc:grpChg chg="del">
+          <ac:chgData name="Matt Carlson" userId="0e792f37f00095d9" providerId="LiveId" clId="{FAD5F499-209B-41A5-B992-814F8A1DAE63}" dt="2019-05-24T06:21:39.908" v="0" actId="478"/>
+          <ac:grpSpMkLst>
+            <pc:docMk/>
+            <pc:sldMk cId="0" sldId="274"/>
+            <ac:grpSpMk id="131" creationId="{88F7B05A-1EEF-4CA2-B70F-6328F6F65209}"/>
+          </ac:grpSpMkLst>
+        </pc:grpChg>
+        <pc:grpChg chg="del">
+          <ac:chgData name="Matt Carlson" userId="0e792f37f00095d9" providerId="LiveId" clId="{FAD5F499-209B-41A5-B992-814F8A1DAE63}" dt="2019-05-24T06:21:39.908" v="0" actId="478"/>
+          <ac:grpSpMkLst>
+            <pc:docMk/>
+            <pc:sldMk cId="0" sldId="274"/>
+            <ac:grpSpMk id="135" creationId="{26AE530C-BB67-4706-B666-C4FF37FA4B6F}"/>
+          </ac:grpSpMkLst>
+        </pc:grpChg>
+        <pc:grpChg chg="del">
+          <ac:chgData name="Matt Carlson" userId="0e792f37f00095d9" providerId="LiveId" clId="{FAD5F499-209B-41A5-B992-814F8A1DAE63}" dt="2019-05-24T06:21:39.908" v="0" actId="478"/>
+          <ac:grpSpMkLst>
+            <pc:docMk/>
+            <pc:sldMk cId="0" sldId="274"/>
+            <ac:grpSpMk id="141" creationId="{C8589D5A-E5C0-4765-BC3D-2EA1EB29C53D}"/>
+          </ac:grpSpMkLst>
+        </pc:grpChg>
+        <pc:grpChg chg="add mod">
+          <ac:chgData name="Matt Carlson" userId="0e792f37f00095d9" providerId="LiveId" clId="{FAD5F499-209B-41A5-B992-814F8A1DAE63}" dt="2019-05-24T07:15:38.963" v="224" actId="1076"/>
+          <ac:grpSpMkLst>
+            <pc:docMk/>
+            <pc:sldMk cId="0" sldId="274"/>
+            <ac:grpSpMk id="144" creationId="{37D4B950-9846-4A7E-B5D6-5F1144BEDF88}"/>
+          </ac:grpSpMkLst>
+        </pc:grpChg>
+        <pc:grpChg chg="del">
+          <ac:chgData name="Matt Carlson" userId="0e792f37f00095d9" providerId="LiveId" clId="{FAD5F499-209B-41A5-B992-814F8A1DAE63}" dt="2019-05-24T06:21:39.908" v="0" actId="478"/>
+          <ac:grpSpMkLst>
+            <pc:docMk/>
+            <pc:sldMk cId="0" sldId="274"/>
+            <ac:grpSpMk id="148" creationId="{8C3CDF3D-09CB-4B49-91D5-FB30C452D499}"/>
+          </ac:grpSpMkLst>
+        </pc:grpChg>
+        <pc:grpChg chg="del">
+          <ac:chgData name="Matt Carlson" userId="0e792f37f00095d9" providerId="LiveId" clId="{FAD5F499-209B-41A5-B992-814F8A1DAE63}" dt="2019-05-24T06:21:39.908" v="0" actId="478"/>
+          <ac:grpSpMkLst>
+            <pc:docMk/>
+            <pc:sldMk cId="0" sldId="274"/>
+            <ac:grpSpMk id="151" creationId="{D63CC604-6259-4E39-950B-33233D8AB839}"/>
+          </ac:grpSpMkLst>
+        </pc:grpChg>
+        <pc:grpChg chg="del">
+          <ac:chgData name="Matt Carlson" userId="0e792f37f00095d9" providerId="LiveId" clId="{FAD5F499-209B-41A5-B992-814F8A1DAE63}" dt="2019-05-24T06:21:39.908" v="0" actId="478"/>
+          <ac:grpSpMkLst>
+            <pc:docMk/>
+            <pc:sldMk cId="0" sldId="274"/>
+            <ac:grpSpMk id="154" creationId="{4936B801-28FD-40C2-82F5-6EE7D86798BE}"/>
+          </ac:grpSpMkLst>
+        </pc:grpChg>
+        <pc:grpChg chg="del">
+          <ac:chgData name="Matt Carlson" userId="0e792f37f00095d9" providerId="LiveId" clId="{FAD5F499-209B-41A5-B992-814F8A1DAE63}" dt="2019-05-24T06:21:39.908" v="0" actId="478"/>
+          <ac:grpSpMkLst>
+            <pc:docMk/>
+            <pc:sldMk cId="0" sldId="274"/>
+            <ac:grpSpMk id="158" creationId="{46B47EB6-0904-42FF-982F-DDA112D4910C}"/>
+          </ac:grpSpMkLst>
+        </pc:grpChg>
+        <pc:grpChg chg="del">
+          <ac:chgData name="Matt Carlson" userId="0e792f37f00095d9" providerId="LiveId" clId="{FAD5F499-209B-41A5-B992-814F8A1DAE63}" dt="2019-05-24T06:21:39.908" v="0" actId="478"/>
+          <ac:grpSpMkLst>
+            <pc:docMk/>
+            <pc:sldMk cId="0" sldId="274"/>
+            <ac:grpSpMk id="165" creationId="{3C2BF5C8-08E4-4FA8-8D48-5AB45EBD8E49}"/>
+          </ac:grpSpMkLst>
+        </pc:grpChg>
+        <pc:grpChg chg="del">
+          <ac:chgData name="Matt Carlson" userId="0e792f37f00095d9" providerId="LiveId" clId="{FAD5F499-209B-41A5-B992-814F8A1DAE63}" dt="2019-05-24T06:21:39.908" v="0" actId="478"/>
+          <ac:grpSpMkLst>
+            <pc:docMk/>
+            <pc:sldMk cId="0" sldId="274"/>
+            <ac:grpSpMk id="170" creationId="{715AE625-CB14-48AB-85FC-AD54476D8B52}"/>
+          </ac:grpSpMkLst>
+        </pc:grpChg>
+        <pc:grpChg chg="del">
+          <ac:chgData name="Matt Carlson" userId="0e792f37f00095d9" providerId="LiveId" clId="{FAD5F499-209B-41A5-B992-814F8A1DAE63}" dt="2019-05-24T06:21:39.908" v="0" actId="478"/>
+          <ac:grpSpMkLst>
+            <pc:docMk/>
+            <pc:sldMk cId="0" sldId="274"/>
+            <ac:grpSpMk id="173" creationId="{BA78281D-D6A5-4B2F-89B9-C66F14B886B9}"/>
+          </ac:grpSpMkLst>
+        </pc:grpChg>
+        <pc:grpChg chg="del">
+          <ac:chgData name="Matt Carlson" userId="0e792f37f00095d9" providerId="LiveId" clId="{FAD5F499-209B-41A5-B992-814F8A1DAE63}" dt="2019-05-24T06:21:39.908" v="0" actId="478"/>
+          <ac:grpSpMkLst>
+            <pc:docMk/>
+            <pc:sldMk cId="0" sldId="274"/>
+            <ac:grpSpMk id="179" creationId="{A3AFDFEA-61D2-474D-BDD5-EC5CA5B4AA62}"/>
+          </ac:grpSpMkLst>
+        </pc:grpChg>
+        <pc:grpChg chg="del">
+          <ac:chgData name="Matt Carlson" userId="0e792f37f00095d9" providerId="LiveId" clId="{FAD5F499-209B-41A5-B992-814F8A1DAE63}" dt="2019-05-24T06:21:39.908" v="0" actId="478"/>
+          <ac:grpSpMkLst>
+            <pc:docMk/>
+            <pc:sldMk cId="0" sldId="274"/>
+            <ac:grpSpMk id="183" creationId="{B09BFF96-7C26-46B4-BEB8-44AAA2EF3D9A}"/>
+          </ac:grpSpMkLst>
+        </pc:grpChg>
+        <pc:grpChg chg="del">
+          <ac:chgData name="Matt Carlson" userId="0e792f37f00095d9" providerId="LiveId" clId="{FAD5F499-209B-41A5-B992-814F8A1DAE63}" dt="2019-05-24T06:21:39.908" v="0" actId="478"/>
+          <ac:grpSpMkLst>
+            <pc:docMk/>
+            <pc:sldMk cId="0" sldId="274"/>
+            <ac:grpSpMk id="195" creationId="{EE4991B4-7538-4E9C-87C2-442E9AEFFFD5}"/>
+          </ac:grpSpMkLst>
+        </pc:grpChg>
+        <pc:grpChg chg="del">
+          <ac:chgData name="Matt Carlson" userId="0e792f37f00095d9" providerId="LiveId" clId="{FAD5F499-209B-41A5-B992-814F8A1DAE63}" dt="2019-05-24T06:21:39.908" v="0" actId="478"/>
+          <ac:grpSpMkLst>
+            <pc:docMk/>
+            <pc:sldMk cId="0" sldId="274"/>
+            <ac:grpSpMk id="198" creationId="{69376C4C-91D0-473D-82DB-6800C7F407F6}"/>
+          </ac:grpSpMkLst>
+        </pc:grpChg>
+        <pc:grpChg chg="del">
+          <ac:chgData name="Matt Carlson" userId="0e792f37f00095d9" providerId="LiveId" clId="{FAD5F499-209B-41A5-B992-814F8A1DAE63}" dt="2019-05-24T06:21:39.908" v="0" actId="478"/>
+          <ac:grpSpMkLst>
+            <pc:docMk/>
+            <pc:sldMk cId="0" sldId="274"/>
+            <ac:grpSpMk id="204" creationId="{E63C0BF2-F030-4D02-9AAB-763440627BE2}"/>
+          </ac:grpSpMkLst>
+        </pc:grpChg>
+        <pc:grpChg chg="del">
+          <ac:chgData name="Matt Carlson" userId="0e792f37f00095d9" providerId="LiveId" clId="{FAD5F499-209B-41A5-B992-814F8A1DAE63}" dt="2019-05-24T06:21:39.908" v="0" actId="478"/>
+          <ac:grpSpMkLst>
+            <pc:docMk/>
+            <pc:sldMk cId="0" sldId="274"/>
+            <ac:grpSpMk id="210" creationId="{C99240D5-58AA-4A30-A7B5-57BCE53C566E}"/>
+          </ac:grpSpMkLst>
+        </pc:grpChg>
+        <pc:grpChg chg="del">
+          <ac:chgData name="Matt Carlson" userId="0e792f37f00095d9" providerId="LiveId" clId="{FAD5F499-209B-41A5-B992-814F8A1DAE63}" dt="2019-05-24T06:21:39.908" v="0" actId="478"/>
+          <ac:grpSpMkLst>
+            <pc:docMk/>
+            <pc:sldMk cId="0" sldId="274"/>
+            <ac:grpSpMk id="216" creationId="{9AB5721F-CE98-4DB3-9F62-2C68F21B709E}"/>
+          </ac:grpSpMkLst>
+        </pc:grpChg>
+        <pc:grpChg chg="del">
+          <ac:chgData name="Matt Carlson" userId="0e792f37f00095d9" providerId="LiveId" clId="{FAD5F499-209B-41A5-B992-814F8A1DAE63}" dt="2019-05-24T06:21:39.908" v="0" actId="478"/>
+          <ac:grpSpMkLst>
+            <pc:docMk/>
+            <pc:sldMk cId="0" sldId="274"/>
+            <ac:grpSpMk id="220" creationId="{F7245A19-821A-440E-8E81-AEE57BAB16EA}"/>
+          </ac:grpSpMkLst>
+        </pc:grpChg>
+        <pc:grpChg chg="add mod">
+          <ac:chgData name="Matt Carlson" userId="0e792f37f00095d9" providerId="LiveId" clId="{FAD5F499-209B-41A5-B992-814F8A1DAE63}" dt="2019-05-24T07:15:38.963" v="224" actId="1076"/>
+          <ac:grpSpMkLst>
+            <pc:docMk/>
+            <pc:sldMk cId="0" sldId="274"/>
+            <ac:grpSpMk id="238" creationId="{8CA13960-651B-46B7-86E4-0F31FDAF2AF6}"/>
+          </ac:grpSpMkLst>
+        </pc:grpChg>
+        <pc:grpChg chg="add del mod">
+          <ac:chgData name="Matt Carlson" userId="0e792f37f00095d9" providerId="LiveId" clId="{FAD5F499-209B-41A5-B992-814F8A1DAE63}" dt="2019-05-24T06:29:51.195" v="36" actId="478"/>
+          <ac:grpSpMkLst>
+            <pc:docMk/>
+            <pc:sldMk cId="0" sldId="274"/>
+            <ac:grpSpMk id="242" creationId="{F335117F-7ED3-41A9-9465-ED898AE52518}"/>
+          </ac:grpSpMkLst>
+        </pc:grpChg>
+        <pc:grpChg chg="add mod">
+          <ac:chgData name="Matt Carlson" userId="0e792f37f00095d9" providerId="LiveId" clId="{FAD5F499-209B-41A5-B992-814F8A1DAE63}" dt="2019-05-24T07:15:38.963" v="224" actId="1076"/>
+          <ac:grpSpMkLst>
+            <pc:docMk/>
+            <pc:sldMk cId="0" sldId="274"/>
+            <ac:grpSpMk id="246" creationId="{1E3EC9D0-BAA0-4D7D-AF54-A62AD599A06E}"/>
+          </ac:grpSpMkLst>
+        </pc:grpChg>
+        <pc:grpChg chg="add mod">
+          <ac:chgData name="Matt Carlson" userId="0e792f37f00095d9" providerId="LiveId" clId="{FAD5F499-209B-41A5-B992-814F8A1DAE63}" dt="2019-05-24T07:15:38.963" v="224" actId="1076"/>
+          <ac:grpSpMkLst>
+            <pc:docMk/>
+            <pc:sldMk cId="0" sldId="274"/>
+            <ac:grpSpMk id="250" creationId="{2853020F-C77B-486C-A370-F97F0B16E30F}"/>
+          </ac:grpSpMkLst>
+        </pc:grpChg>
+        <pc:grpChg chg="add mod">
+          <ac:chgData name="Matt Carlson" userId="0e792f37f00095d9" providerId="LiveId" clId="{FAD5F499-209B-41A5-B992-814F8A1DAE63}" dt="2019-05-24T07:15:38.963" v="224" actId="1076"/>
+          <ac:grpSpMkLst>
+            <pc:docMk/>
+            <pc:sldMk cId="0" sldId="274"/>
+            <ac:grpSpMk id="254" creationId="{C49FCF74-82EA-4F07-91EA-A194EDEA5F4C}"/>
+          </ac:grpSpMkLst>
+        </pc:grpChg>
+        <pc:grpChg chg="add mod">
+          <ac:chgData name="Matt Carlson" userId="0e792f37f00095d9" providerId="LiveId" clId="{FAD5F499-209B-41A5-B992-814F8A1DAE63}" dt="2019-05-24T07:15:38.963" v="224" actId="1076"/>
+          <ac:grpSpMkLst>
+            <pc:docMk/>
+            <pc:sldMk cId="0" sldId="274"/>
+            <ac:grpSpMk id="261" creationId="{9EA2E05F-9B07-42D3-8F8C-AEDA470815C0}"/>
+          </ac:grpSpMkLst>
+        </pc:grpChg>
+        <pc:grpChg chg="add mod ord">
+          <ac:chgData name="Matt Carlson" userId="0e792f37f00095d9" providerId="LiveId" clId="{FAD5F499-209B-41A5-B992-814F8A1DAE63}" dt="2019-05-24T07:15:38.963" v="224" actId="1076"/>
+          <ac:grpSpMkLst>
+            <pc:docMk/>
+            <pc:sldMk cId="0" sldId="274"/>
+            <ac:grpSpMk id="264" creationId="{97EBA82E-012C-454E-A727-90809413BE6E}"/>
+          </ac:grpSpMkLst>
+        </pc:grpChg>
+        <pc:grpChg chg="add mod">
+          <ac:chgData name="Matt Carlson" userId="0e792f37f00095d9" providerId="LiveId" clId="{FAD5F499-209B-41A5-B992-814F8A1DAE63}" dt="2019-05-24T07:15:38.963" v="224" actId="1076"/>
+          <ac:grpSpMkLst>
+            <pc:docMk/>
+            <pc:sldMk cId="0" sldId="274"/>
+            <ac:grpSpMk id="270" creationId="{6006DF78-BA1D-434D-BD51-9868D278223F}"/>
+          </ac:grpSpMkLst>
+        </pc:grpChg>
+        <pc:grpChg chg="add mod ord">
+          <ac:chgData name="Matt Carlson" userId="0e792f37f00095d9" providerId="LiveId" clId="{FAD5F499-209B-41A5-B992-814F8A1DAE63}" dt="2019-05-24T07:15:38.963" v="224" actId="1076"/>
+          <ac:grpSpMkLst>
+            <pc:docMk/>
+            <pc:sldMk cId="0" sldId="274"/>
+            <ac:grpSpMk id="275" creationId="{8775C547-7076-447C-8921-3DBEC5FC38D1}"/>
+          </ac:grpSpMkLst>
+        </pc:grpChg>
+        <pc:grpChg chg="add mod">
+          <ac:chgData name="Matt Carlson" userId="0e792f37f00095d9" providerId="LiveId" clId="{FAD5F499-209B-41A5-B992-814F8A1DAE63}" dt="2019-05-24T07:15:38.963" v="224" actId="1076"/>
+          <ac:grpSpMkLst>
+            <pc:docMk/>
+            <pc:sldMk cId="0" sldId="274"/>
+            <ac:grpSpMk id="279" creationId="{F346761C-94D9-4D60-9E68-92D73A796F1F}"/>
+          </ac:grpSpMkLst>
+        </pc:grpChg>
+        <pc:grpChg chg="add mod ord">
+          <ac:chgData name="Matt Carlson" userId="0e792f37f00095d9" providerId="LiveId" clId="{FAD5F499-209B-41A5-B992-814F8A1DAE63}" dt="2019-05-24T07:15:38.963" v="224" actId="1076"/>
+          <ac:grpSpMkLst>
+            <pc:docMk/>
+            <pc:sldMk cId="0" sldId="274"/>
+            <ac:grpSpMk id="285" creationId="{F75A29A5-950A-4999-81CE-D19D8585B8E1}"/>
+          </ac:grpSpMkLst>
+        </pc:grpChg>
+        <pc:grpChg chg="add mod ord">
+          <ac:chgData name="Matt Carlson" userId="0e792f37f00095d9" providerId="LiveId" clId="{FAD5F499-209B-41A5-B992-814F8A1DAE63}" dt="2019-05-24T07:15:38.963" v="224" actId="1076"/>
+          <ac:grpSpMkLst>
+            <pc:docMk/>
+            <pc:sldMk cId="0" sldId="274"/>
+            <ac:grpSpMk id="289" creationId="{A7C5149F-6E0B-46AE-8EA0-8BDB2F7B861E}"/>
+          </ac:grpSpMkLst>
+        </pc:grpChg>
+        <pc:grpChg chg="add mod">
+          <ac:chgData name="Matt Carlson" userId="0e792f37f00095d9" providerId="LiveId" clId="{FAD5F499-209B-41A5-B992-814F8A1DAE63}" dt="2019-05-24T07:15:38.963" v="224" actId="1076"/>
+          <ac:grpSpMkLst>
+            <pc:docMk/>
+            <pc:sldMk cId="0" sldId="274"/>
+            <ac:grpSpMk id="296" creationId="{BD71A030-D63A-40F3-9168-A705036C7BF6}"/>
+          </ac:grpSpMkLst>
+        </pc:grpChg>
+        <pc:grpChg chg="add mod">
+          <ac:chgData name="Matt Carlson" userId="0e792f37f00095d9" providerId="LiveId" clId="{FAD5F499-209B-41A5-B992-814F8A1DAE63}" dt="2019-05-24T07:15:38.963" v="224" actId="1076"/>
+          <ac:grpSpMkLst>
+            <pc:docMk/>
+            <pc:sldMk cId="0" sldId="274"/>
+            <ac:grpSpMk id="300" creationId="{036AA125-B3F3-40E3-BA83-9D4C938BDD8D}"/>
+          </ac:grpSpMkLst>
+        </pc:grpChg>
+        <pc:grpChg chg="add mod">
+          <ac:chgData name="Matt Carlson" userId="0e792f37f00095d9" providerId="LiveId" clId="{FAD5F499-209B-41A5-B992-814F8A1DAE63}" dt="2019-05-24T07:15:38.963" v="224" actId="1076"/>
+          <ac:grpSpMkLst>
+            <pc:docMk/>
+            <pc:sldMk cId="0" sldId="274"/>
+            <ac:grpSpMk id="303" creationId="{49082555-9ADC-404F-8AD3-9485F82CCE1C}"/>
+          </ac:grpSpMkLst>
+        </pc:grpChg>
+        <pc:grpChg chg="add mod">
+          <ac:chgData name="Matt Carlson" userId="0e792f37f00095d9" providerId="LiveId" clId="{FAD5F499-209B-41A5-B992-814F8A1DAE63}" dt="2019-05-24T07:15:38.963" v="224" actId="1076"/>
+          <ac:grpSpMkLst>
+            <pc:docMk/>
+            <pc:sldMk cId="0" sldId="274"/>
+            <ac:grpSpMk id="306" creationId="{5873732E-E847-4156-9D49-6D8A16387E97}"/>
+          </ac:grpSpMkLst>
+        </pc:grpChg>
+        <pc:grpChg chg="add mod">
+          <ac:chgData name="Matt Carlson" userId="0e792f37f00095d9" providerId="LiveId" clId="{FAD5F499-209B-41A5-B992-814F8A1DAE63}" dt="2019-05-24T07:15:38.963" v="224" actId="1076"/>
+          <ac:grpSpMkLst>
+            <pc:docMk/>
+            <pc:sldMk cId="0" sldId="274"/>
+            <ac:grpSpMk id="309" creationId="{A8516F07-D5A9-4441-8DEF-CD5A0AFC25A5}"/>
+          </ac:grpSpMkLst>
+        </pc:grpChg>
+        <pc:grpChg chg="add mod">
+          <ac:chgData name="Matt Carlson" userId="0e792f37f00095d9" providerId="LiveId" clId="{FAD5F499-209B-41A5-B992-814F8A1DAE63}" dt="2019-05-24T07:15:38.963" v="224" actId="1076"/>
+          <ac:grpSpMkLst>
+            <pc:docMk/>
+            <pc:sldMk cId="0" sldId="274"/>
+            <ac:grpSpMk id="314" creationId="{CFDC560F-7C14-4D3C-940E-F4C42B80717C}"/>
+          </ac:grpSpMkLst>
+        </pc:grpChg>
+        <pc:graphicFrameChg chg="mod modGraphic">
+          <ac:chgData name="Matt Carlson" userId="0e792f37f00095d9" providerId="LiveId" clId="{FAD5F499-209B-41A5-B992-814F8A1DAE63}" dt="2019-05-26T14:57:40.745" v="511" actId="20577"/>
+          <ac:graphicFrameMkLst>
+            <pc:docMk/>
+            <pc:sldMk cId="0" sldId="274"/>
+            <ac:graphicFrameMk id="110" creationId="{00000000-0000-0000-0000-000000000000}"/>
+          </ac:graphicFrameMkLst>
+        </pc:graphicFrameChg>
+        <pc:cxnChg chg="add mod">
+          <ac:chgData name="Matt Carlson" userId="0e792f37f00095d9" providerId="LiveId" clId="{FAD5F499-209B-41A5-B992-814F8A1DAE63}" dt="2019-05-24T07:15:38.963" v="224" actId="1076"/>
+          <ac:cxnSpMkLst>
+            <pc:docMk/>
+            <pc:sldMk cId="0" sldId="274"/>
+            <ac:cxnSpMk id="134" creationId="{4E2F83B9-2897-4D2E-8BB2-816BD92E349E}"/>
+          </ac:cxnSpMkLst>
+        </pc:cxnChg>
+        <pc:cxnChg chg="del mod">
+          <ac:chgData name="Matt Carlson" userId="0e792f37f00095d9" providerId="LiveId" clId="{FAD5F499-209B-41A5-B992-814F8A1DAE63}" dt="2019-05-24T06:21:39.908" v="0" actId="478"/>
+          <ac:cxnSpMkLst>
+            <pc:docMk/>
+            <pc:sldMk cId="0" sldId="274"/>
+            <ac:cxnSpMk id="187" creationId="{F639F52B-1A38-4B65-B564-C339B757097E}"/>
+          </ac:cxnSpMkLst>
+        </pc:cxnChg>
+        <pc:cxnChg chg="del mod">
+          <ac:chgData name="Matt Carlson" userId="0e792f37f00095d9" providerId="LiveId" clId="{FAD5F499-209B-41A5-B992-814F8A1DAE63}" dt="2019-05-24T06:21:39.908" v="0" actId="478"/>
+          <ac:cxnSpMkLst>
+            <pc:docMk/>
+            <pc:sldMk cId="0" sldId="274"/>
+            <ac:cxnSpMk id="188" creationId="{914153AC-30C6-421F-BBE0-CE12F8DD459D}"/>
+          </ac:cxnSpMkLst>
+        </pc:cxnChg>
+        <pc:cxnChg chg="del">
+          <ac:chgData name="Matt Carlson" userId="0e792f37f00095d9" providerId="LiveId" clId="{FAD5F499-209B-41A5-B992-814F8A1DAE63}" dt="2019-05-24T06:21:39.908" v="0" actId="478"/>
+          <ac:cxnSpMkLst>
+            <pc:docMk/>
+            <pc:sldMk cId="0" sldId="274"/>
+            <ac:cxnSpMk id="189" creationId="{D499D3FE-A388-4FE4-973C-0238C5A50F19}"/>
+          </ac:cxnSpMkLst>
+        </pc:cxnChg>
+        <pc:cxnChg chg="del">
+          <ac:chgData name="Matt Carlson" userId="0e792f37f00095d9" providerId="LiveId" clId="{FAD5F499-209B-41A5-B992-814F8A1DAE63}" dt="2019-05-24T06:21:39.908" v="0" actId="478"/>
+          <ac:cxnSpMkLst>
+            <pc:docMk/>
+            <pc:sldMk cId="0" sldId="274"/>
+            <ac:cxnSpMk id="190" creationId="{4F9605E9-0FCB-4676-9FD4-352E0C94E51E}"/>
+          </ac:cxnSpMkLst>
+        </pc:cxnChg>
+        <pc:cxnChg chg="del">
+          <ac:chgData name="Matt Carlson" userId="0e792f37f00095d9" providerId="LiveId" clId="{FAD5F499-209B-41A5-B992-814F8A1DAE63}" dt="2019-05-24T06:21:39.908" v="0" actId="478"/>
+          <ac:cxnSpMkLst>
+            <pc:docMk/>
+            <pc:sldMk cId="0" sldId="274"/>
+            <ac:cxnSpMk id="225" creationId="{28ACE711-D2C9-4FAA-AD1B-6F59F8EC1F46}"/>
+          </ac:cxnSpMkLst>
+        </pc:cxnChg>
+        <pc:cxnChg chg="del">
+          <ac:chgData name="Matt Carlson" userId="0e792f37f00095d9" providerId="LiveId" clId="{FAD5F499-209B-41A5-B992-814F8A1DAE63}" dt="2019-05-24T06:21:39.908" v="0" actId="478"/>
+          <ac:cxnSpMkLst>
+            <pc:docMk/>
+            <pc:sldMk cId="0" sldId="274"/>
+            <ac:cxnSpMk id="227" creationId="{6EC2A9DE-8B0E-4C68-8D86-BBE3741C9D23}"/>
+          </ac:cxnSpMkLst>
+        </pc:cxnChg>
+        <pc:cxnChg chg="del">
+          <ac:chgData name="Matt Carlson" userId="0e792f37f00095d9" providerId="LiveId" clId="{FAD5F499-209B-41A5-B992-814F8A1DAE63}" dt="2019-05-24T06:21:39.908" v="0" actId="478"/>
+          <ac:cxnSpMkLst>
+            <pc:docMk/>
+            <pc:sldMk cId="0" sldId="274"/>
+            <ac:cxnSpMk id="230" creationId="{65218A77-BD40-496D-B653-DE5886BE703D}"/>
+          </ac:cxnSpMkLst>
+        </pc:cxnChg>
+        <pc:cxnChg chg="del mod">
+          <ac:chgData name="Matt Carlson" userId="0e792f37f00095d9" providerId="LiveId" clId="{FAD5F499-209B-41A5-B992-814F8A1DAE63}" dt="2019-05-24T06:21:39.908" v="0" actId="478"/>
+          <ac:cxnSpMkLst>
+            <pc:docMk/>
+            <pc:sldMk cId="0" sldId="274"/>
+            <ac:cxnSpMk id="233" creationId="{F547890D-4D6D-401F-965F-91C48BEF4021}"/>
+          </ac:cxnSpMkLst>
+        </pc:cxnChg>
+        <pc:cxnChg chg="add mod">
+          <ac:chgData name="Matt Carlson" userId="0e792f37f00095d9" providerId="LiveId" clId="{FAD5F499-209B-41A5-B992-814F8A1DAE63}" dt="2019-05-24T07:15:38.963" v="224" actId="1076"/>
+          <ac:cxnSpMkLst>
+            <pc:docMk/>
+            <pc:sldMk cId="0" sldId="274"/>
+            <ac:cxnSpMk id="259" creationId="{A1DD0740-2B66-44C2-9B66-1B8D1443B3C4}"/>
+          </ac:cxnSpMkLst>
+        </pc:cxnChg>
+        <pc:cxnChg chg="add mod">
+          <ac:chgData name="Matt Carlson" userId="0e792f37f00095d9" providerId="LiveId" clId="{FAD5F499-209B-41A5-B992-814F8A1DAE63}" dt="2019-05-24T07:15:38.963" v="224" actId="1076"/>
+          <ac:cxnSpMkLst>
+            <pc:docMk/>
+            <pc:sldMk cId="0" sldId="274"/>
+            <ac:cxnSpMk id="268" creationId="{852A13C5-FA78-4856-93A5-24063CE3F72E}"/>
+          </ac:cxnSpMkLst>
+        </pc:cxnChg>
+        <pc:cxnChg chg="add mod ord">
+          <ac:chgData name="Matt Carlson" userId="0e792f37f00095d9" providerId="LiveId" clId="{FAD5F499-209B-41A5-B992-814F8A1DAE63}" dt="2019-05-24T07:15:38.963" v="224" actId="1076"/>
+          <ac:cxnSpMkLst>
+            <pc:docMk/>
+            <pc:sldMk cId="0" sldId="274"/>
+            <ac:cxnSpMk id="269" creationId="{CC5495E1-A07D-4318-A099-24745C907D82}"/>
+          </ac:cxnSpMkLst>
+        </pc:cxnChg>
+        <pc:cxnChg chg="add mod">
+          <ac:chgData name="Matt Carlson" userId="0e792f37f00095d9" providerId="LiveId" clId="{FAD5F499-209B-41A5-B992-814F8A1DAE63}" dt="2019-05-24T07:15:38.963" v="224" actId="1076"/>
+          <ac:cxnSpMkLst>
+            <pc:docMk/>
+            <pc:sldMk cId="0" sldId="274"/>
+            <ac:cxnSpMk id="293" creationId="{F98C886B-9B98-4737-B6BF-DC092791AED5}"/>
+          </ac:cxnSpMkLst>
+        </pc:cxnChg>
+        <pc:cxnChg chg="add mod">
+          <ac:chgData name="Matt Carlson" userId="0e792f37f00095d9" providerId="LiveId" clId="{FAD5F499-209B-41A5-B992-814F8A1DAE63}" dt="2019-05-24T07:15:38.963" v="224" actId="1076"/>
+          <ac:cxnSpMkLst>
+            <pc:docMk/>
+            <pc:sldMk cId="0" sldId="274"/>
+            <ac:cxnSpMk id="294" creationId="{F46C3220-4AD4-4ECA-8E6D-52ABBED185CC}"/>
+          </ac:cxnSpMkLst>
+        </pc:cxnChg>
+        <pc:cxnChg chg="add mod ord">
+          <ac:chgData name="Matt Carlson" userId="0e792f37f00095d9" providerId="LiveId" clId="{FAD5F499-209B-41A5-B992-814F8A1DAE63}" dt="2019-05-24T07:15:38.963" v="224" actId="1076"/>
+          <ac:cxnSpMkLst>
+            <pc:docMk/>
+            <pc:sldMk cId="0" sldId="274"/>
+            <ac:cxnSpMk id="295" creationId="{645C9F6C-045C-4BDF-81D2-8082140DE235}"/>
+          </ac:cxnSpMkLst>
+        </pc:cxnChg>
+        <pc:cxnChg chg="add mod">
+          <ac:chgData name="Matt Carlson" userId="0e792f37f00095d9" providerId="LiveId" clId="{FAD5F499-209B-41A5-B992-814F8A1DAE63}" dt="2019-05-24T07:15:38.963" v="224" actId="1076"/>
+          <ac:cxnSpMkLst>
+            <pc:docMk/>
+            <pc:sldMk cId="0" sldId="274"/>
+            <ac:cxnSpMk id="313" creationId="{C569F406-2C16-45F6-8946-CB5A80045EE0}"/>
+          </ac:cxnSpMkLst>
+        </pc:cxnChg>
       </pc:sldChg>
     </pc:docChg>
   </pc:docChgLst>
@@ -2087,7 +2087,7 @@
               <a:pPr>
                 <a:defRPr/>
               </a:pPr>
-              <a:t>7/25/2020</a:t>
+              <a:t>7/26/20</a:t>
             </a:fld>
             <a:endParaRPr lang="en-US"/>
           </a:p>
@@ -9313,7 +9313,7 @@
           <p:nvPr>
             <p:extLst>
               <p:ext uri="{D42A27DB-BD31-4B8C-83A1-F6EECF244321}">
-                <p14:modId xmlns:p14="http://schemas.microsoft.com/office/powerpoint/2010/main" val="2639281015"/>
+                <p14:modId xmlns:p14="http://schemas.microsoft.com/office/powerpoint/2010/main" val="1271411822"/>
               </p:ext>
             </p:extLst>
           </p:nvPr>
@@ -9770,7 +9770,7 @@
                           <a:latin typeface="Arial" charset="0"/>
                           <a:cs typeface="Times New Roman" charset="0"/>
                         </a:rPr>
-                        <a:t> Standing inside the shooting area, fingers touching respective upper marks, facing anywhere downrange. Gun loaded and holstered.</a:t>
+                        <a:t> Standing inside the shooting area, heels touching any part of the rear fault line, facing anywhere downrange. Gun loaded and holstered.</a:t>
                       </a:r>
                     </a:p>
                     <a:p>
@@ -9846,35 +9846,7 @@
                           <a:latin typeface="Arial" charset="0"/>
                           <a:cs typeface="Times New Roman" charset="0"/>
                         </a:rPr>
-                        <a:t>Standing inside the shooting area, facing anywhere downrange. Gun loaded, muzzle </a:t>
-                      </a:r>
-                      <a:r>
-                        <a:rPr kumimoji="0" lang="en-US" sz="1100" b="0" i="0" u="none" strike="noStrike" cap="none" normalizeH="0" baseline="0">
-                          <a:ln>
-                            <a:noFill/>
-                          </a:ln>
-                          <a:solidFill>
-                            <a:schemeClr val="tx1"/>
-                          </a:solidFill>
-                          <a:effectLst/>
-                          <a:latin typeface="Arial" charset="0"/>
-                          <a:cs typeface="Times New Roman" charset="0"/>
-                        </a:rPr>
-                        <a:t>touching lower mark, </a:t>
-                      </a:r>
-                      <a:r>
-                        <a:rPr kumimoji="0" lang="en-US" sz="1100" b="0" i="0" u="none" strike="noStrike" cap="none" normalizeH="0" baseline="0" dirty="0">
-                          <a:ln>
-                            <a:noFill/>
-                          </a:ln>
-                          <a:solidFill>
-                            <a:schemeClr val="tx1"/>
-                          </a:solidFill>
-                          <a:effectLst/>
-                          <a:latin typeface="Arial" charset="0"/>
-                          <a:cs typeface="Times New Roman" charset="0"/>
-                        </a:rPr>
-                        <a:t>muzzle pointed downrange.</a:t>
+                        <a:t>Standing inside the shooting area, facing anywhere downrange. Gun loaded, muzzle touching lower mark, muzzle pointed downrange.</a:t>
                       </a:r>
                     </a:p>
                   </a:txBody>
@@ -10742,187 +10714,6 @@
           <a:lstStyle/>
           <a:p>
             <a:endParaRPr lang="en-US"/>
-          </a:p>
-        </p:txBody>
-      </p:sp>
-      <p:sp>
-        <p:nvSpPr>
-          <p:cNvPr id="237" name="Rectangle 10">
-            <a:extLst>
-              <a:ext uri="{FF2B5EF4-FFF2-40B4-BE49-F238E27FC236}">
-                <a16:creationId xmlns:a16="http://schemas.microsoft.com/office/drawing/2014/main" id="{2701F47D-95CA-401B-84F0-431560B8971B}"/>
-              </a:ext>
-            </a:extLst>
-          </p:cNvPr>
-          <p:cNvSpPr>
-            <a:spLocks noChangeArrowheads="1"/>
-          </p:cNvSpPr>
-          <p:nvPr/>
-        </p:nvSpPr>
-        <p:spPr bwMode="auto">
-          <a:xfrm>
-            <a:off x="2165343" y="5177361"/>
-            <a:ext cx="2377763" cy="1701492"/>
-          </a:xfrm>
-          <a:prstGeom prst="rect">
-            <a:avLst/>
-          </a:prstGeom>
-          <a:solidFill>
-            <a:schemeClr val="accent1">
-              <a:alpha val="50195"/>
-            </a:schemeClr>
-          </a:solidFill>
-          <a:ln w="9525">
-            <a:solidFill>
-              <a:schemeClr val="tx1"/>
-            </a:solidFill>
-            <a:miter lim="800000"/>
-            <a:headEnd/>
-            <a:tailEnd/>
-          </a:ln>
-        </p:spPr>
-        <p:txBody>
-          <a:bodyPr wrap="none" anchor="ctr"/>
-          <a:lstStyle>
-            <a:lvl1pPr>
-              <a:spcBef>
-                <a:spcPct val="20000"/>
-              </a:spcBef>
-              <a:buChar char="•"/>
-              <a:defRPr sz="3400">
-                <a:solidFill>
-                  <a:schemeClr val="tx1"/>
-                </a:solidFill>
-                <a:latin typeface="Arial" panose="020B0604020202020204" pitchFamily="34" charset="0"/>
-                <a:ea typeface="ＭＳ Ｐゴシック" panose="020B0600070205080204" pitchFamily="34" charset="-128"/>
-              </a:defRPr>
-            </a:lvl1pPr>
-            <a:lvl2pPr marL="742950" indent="-285750">
-              <a:spcBef>
-                <a:spcPct val="20000"/>
-              </a:spcBef>
-              <a:buChar char="–"/>
-              <a:defRPr sz="3000">
-                <a:solidFill>
-                  <a:schemeClr val="tx1"/>
-                </a:solidFill>
-                <a:latin typeface="Arial" panose="020B0604020202020204" pitchFamily="34" charset="0"/>
-                <a:ea typeface="ＭＳ Ｐゴシック" panose="020B0600070205080204" pitchFamily="34" charset="-128"/>
-              </a:defRPr>
-            </a:lvl2pPr>
-            <a:lvl3pPr marL="1143000" indent="-228600">
-              <a:spcBef>
-                <a:spcPct val="20000"/>
-              </a:spcBef>
-              <a:buChar char="•"/>
-              <a:defRPr sz="2500">
-                <a:solidFill>
-                  <a:schemeClr val="tx1"/>
-                </a:solidFill>
-                <a:latin typeface="Arial" panose="020B0604020202020204" pitchFamily="34" charset="0"/>
-                <a:ea typeface="ＭＳ Ｐゴシック" panose="020B0600070205080204" pitchFamily="34" charset="-128"/>
-              </a:defRPr>
-            </a:lvl3pPr>
-            <a:lvl4pPr marL="1600200" indent="-228600">
-              <a:spcBef>
-                <a:spcPct val="20000"/>
-              </a:spcBef>
-              <a:buChar char="–"/>
-              <a:defRPr sz="2100">
-                <a:solidFill>
-                  <a:schemeClr val="tx1"/>
-                </a:solidFill>
-                <a:latin typeface="Arial" panose="020B0604020202020204" pitchFamily="34" charset="0"/>
-                <a:ea typeface="ＭＳ Ｐゴシック" panose="020B0600070205080204" pitchFamily="34" charset="-128"/>
-              </a:defRPr>
-            </a:lvl4pPr>
-            <a:lvl5pPr marL="2057400" indent="-228600">
-              <a:spcBef>
-                <a:spcPct val="20000"/>
-              </a:spcBef>
-              <a:buChar char="»"/>
-              <a:defRPr sz="2100">
-                <a:solidFill>
-                  <a:schemeClr val="tx1"/>
-                </a:solidFill>
-                <a:latin typeface="Arial" panose="020B0604020202020204" pitchFamily="34" charset="0"/>
-                <a:ea typeface="ＭＳ Ｐゴシック" panose="020B0600070205080204" pitchFamily="34" charset="-128"/>
-              </a:defRPr>
-            </a:lvl5pPr>
-            <a:lvl6pPr marL="2514600" indent="-228600" eaLnBrk="0" fontAlgn="base" hangingPunct="0">
-              <a:spcBef>
-                <a:spcPct val="20000"/>
-              </a:spcBef>
-              <a:spcAft>
-                <a:spcPct val="0"/>
-              </a:spcAft>
-              <a:buChar char="»"/>
-              <a:defRPr sz="2100">
-                <a:solidFill>
-                  <a:schemeClr val="tx1"/>
-                </a:solidFill>
-                <a:latin typeface="Arial" panose="020B0604020202020204" pitchFamily="34" charset="0"/>
-                <a:ea typeface="ＭＳ Ｐゴシック" panose="020B0600070205080204" pitchFamily="34" charset="-128"/>
-              </a:defRPr>
-            </a:lvl6pPr>
-            <a:lvl7pPr marL="2971800" indent="-228600" eaLnBrk="0" fontAlgn="base" hangingPunct="0">
-              <a:spcBef>
-                <a:spcPct val="20000"/>
-              </a:spcBef>
-              <a:spcAft>
-                <a:spcPct val="0"/>
-              </a:spcAft>
-              <a:buChar char="»"/>
-              <a:defRPr sz="2100">
-                <a:solidFill>
-                  <a:schemeClr val="tx1"/>
-                </a:solidFill>
-                <a:latin typeface="Arial" panose="020B0604020202020204" pitchFamily="34" charset="0"/>
-                <a:ea typeface="ＭＳ Ｐゴシック" panose="020B0600070205080204" pitchFamily="34" charset="-128"/>
-              </a:defRPr>
-            </a:lvl7pPr>
-            <a:lvl8pPr marL="3429000" indent="-228600" eaLnBrk="0" fontAlgn="base" hangingPunct="0">
-              <a:spcBef>
-                <a:spcPct val="20000"/>
-              </a:spcBef>
-              <a:spcAft>
-                <a:spcPct val="0"/>
-              </a:spcAft>
-              <a:buChar char="»"/>
-              <a:defRPr sz="2100">
-                <a:solidFill>
-                  <a:schemeClr val="tx1"/>
-                </a:solidFill>
-                <a:latin typeface="Arial" panose="020B0604020202020204" pitchFamily="34" charset="0"/>
-                <a:ea typeface="ＭＳ Ｐゴシック" panose="020B0600070205080204" pitchFamily="34" charset="-128"/>
-              </a:defRPr>
-            </a:lvl8pPr>
-            <a:lvl9pPr marL="3886200" indent="-228600" eaLnBrk="0" fontAlgn="base" hangingPunct="0">
-              <a:spcBef>
-                <a:spcPct val="20000"/>
-              </a:spcBef>
-              <a:spcAft>
-                <a:spcPct val="0"/>
-              </a:spcAft>
-              <a:buChar char="»"/>
-              <a:defRPr sz="2100">
-                <a:solidFill>
-                  <a:schemeClr val="tx1"/>
-                </a:solidFill>
-                <a:latin typeface="Arial" panose="020B0604020202020204" pitchFamily="34" charset="0"/>
-                <a:ea typeface="ＭＳ Ｐゴシック" panose="020B0600070205080204" pitchFamily="34" charset="-128"/>
-              </a:defRPr>
-            </a:lvl9pPr>
-          </a:lstStyle>
-          <a:p>
-            <a:pPr eaLnBrk="1" hangingPunct="1">
-              <a:spcBef>
-                <a:spcPct val="0"/>
-              </a:spcBef>
-              <a:buFontTx/>
-              <a:buNone/>
-            </a:pPr>
-            <a:endParaRPr lang="en-US" altLang="en-US" sz="1800"/>
           </a:p>
         </p:txBody>
       </p:sp>
@@ -14561,212 +14352,6 @@
           </p:txBody>
         </p:sp>
       </p:grpSp>
-      <p:sp>
-        <p:nvSpPr>
-          <p:cNvPr id="143" name="TextBox 13">
-            <a:extLst>
-              <a:ext uri="{FF2B5EF4-FFF2-40B4-BE49-F238E27FC236}">
-                <a16:creationId xmlns:a16="http://schemas.microsoft.com/office/drawing/2014/main" id="{B810AD42-F445-464A-929F-6F80E184D1D3}"/>
-              </a:ext>
-            </a:extLst>
-          </p:cNvPr>
-          <p:cNvSpPr txBox="1">
-            <a:spLocks noChangeArrowheads="1"/>
-          </p:cNvSpPr>
-          <p:nvPr/>
-        </p:nvSpPr>
-        <p:spPr bwMode="auto">
-          <a:xfrm>
-            <a:off x="3049098" y="5735854"/>
-            <a:ext cx="832613" cy="338554"/>
-          </a:xfrm>
-          <a:prstGeom prst="rect">
-            <a:avLst/>
-          </a:prstGeom>
-          <a:noFill/>
-          <a:ln>
-            <a:noFill/>
-          </a:ln>
-          <a:extLst>
-            <a:ext uri="{909E8E84-426E-40DD-AFC4-6F175D3DCCD1}">
-              <a14:hiddenFill xmlns:a14="http://schemas.microsoft.com/office/drawing/2010/main">
-                <a:solidFill>
-                  <a:srgbClr val="FFFFFF"/>
-                </a:solidFill>
-              </a14:hiddenFill>
-            </a:ext>
-            <a:ext uri="{91240B29-F687-4F45-9708-019B960494DF}">
-              <a14:hiddenLine xmlns:a14="http://schemas.microsoft.com/office/drawing/2010/main" w="9525">
-                <a:solidFill>
-                  <a:srgbClr val="000000"/>
-                </a:solidFill>
-                <a:miter lim="800000"/>
-                <a:headEnd/>
-                <a:tailEnd/>
-              </a14:hiddenLine>
-            </a:ext>
-          </a:extLst>
-        </p:spPr>
-        <p:txBody>
-          <a:bodyPr wrap="square">
-            <a:spAutoFit/>
-          </a:bodyPr>
-          <a:lstStyle>
-            <a:lvl1pPr>
-              <a:defRPr>
-                <a:solidFill>
-                  <a:schemeClr val="tx1"/>
-                </a:solidFill>
-                <a:latin typeface="Arial" panose="020B0604020202020204" pitchFamily="34" charset="0"/>
-                <a:ea typeface="ＭＳ Ｐゴシック" panose="020B0600070205080204" pitchFamily="34" charset="-128"/>
-              </a:defRPr>
-            </a:lvl1pPr>
-            <a:lvl2pPr marL="742950" indent="-285750">
-              <a:defRPr>
-                <a:solidFill>
-                  <a:schemeClr val="tx1"/>
-                </a:solidFill>
-                <a:latin typeface="Arial" panose="020B0604020202020204" pitchFamily="34" charset="0"/>
-                <a:ea typeface="ＭＳ Ｐゴシック" panose="020B0600070205080204" pitchFamily="34" charset="-128"/>
-              </a:defRPr>
-            </a:lvl2pPr>
-            <a:lvl3pPr marL="1143000" indent="-228600">
-              <a:defRPr>
-                <a:solidFill>
-                  <a:schemeClr val="tx1"/>
-                </a:solidFill>
-                <a:latin typeface="Arial" panose="020B0604020202020204" pitchFamily="34" charset="0"/>
-                <a:ea typeface="ＭＳ Ｐゴシック" panose="020B0600070205080204" pitchFamily="34" charset="-128"/>
-              </a:defRPr>
-            </a:lvl3pPr>
-            <a:lvl4pPr marL="1600200" indent="-228600">
-              <a:defRPr>
-                <a:solidFill>
-                  <a:schemeClr val="tx1"/>
-                </a:solidFill>
-                <a:latin typeface="Arial" panose="020B0604020202020204" pitchFamily="34" charset="0"/>
-                <a:ea typeface="ＭＳ Ｐゴシック" panose="020B0600070205080204" pitchFamily="34" charset="-128"/>
-              </a:defRPr>
-            </a:lvl4pPr>
-            <a:lvl5pPr marL="2057400" indent="-228600">
-              <a:defRPr>
-                <a:solidFill>
-                  <a:schemeClr val="tx1"/>
-                </a:solidFill>
-                <a:latin typeface="Arial" panose="020B0604020202020204" pitchFamily="34" charset="0"/>
-                <a:ea typeface="ＭＳ Ｐゴシック" panose="020B0600070205080204" pitchFamily="34" charset="-128"/>
-              </a:defRPr>
-            </a:lvl5pPr>
-            <a:lvl6pPr marL="2514600" indent="-228600" eaLnBrk="0" fontAlgn="base" hangingPunct="0">
-              <a:spcBef>
-                <a:spcPct val="0"/>
-              </a:spcBef>
-              <a:spcAft>
-                <a:spcPct val="0"/>
-              </a:spcAft>
-              <a:defRPr>
-                <a:solidFill>
-                  <a:schemeClr val="tx1"/>
-                </a:solidFill>
-                <a:latin typeface="Arial" panose="020B0604020202020204" pitchFamily="34" charset="0"/>
-                <a:ea typeface="ＭＳ Ｐゴシック" panose="020B0600070205080204" pitchFamily="34" charset="-128"/>
-              </a:defRPr>
-            </a:lvl6pPr>
-            <a:lvl7pPr marL="2971800" indent="-228600" eaLnBrk="0" fontAlgn="base" hangingPunct="0">
-              <a:spcBef>
-                <a:spcPct val="0"/>
-              </a:spcBef>
-              <a:spcAft>
-                <a:spcPct val="0"/>
-              </a:spcAft>
-              <a:defRPr>
-                <a:solidFill>
-                  <a:schemeClr val="tx1"/>
-                </a:solidFill>
-                <a:latin typeface="Arial" panose="020B0604020202020204" pitchFamily="34" charset="0"/>
-                <a:ea typeface="ＭＳ Ｐゴシック" panose="020B0600070205080204" pitchFamily="34" charset="-128"/>
-              </a:defRPr>
-            </a:lvl7pPr>
-            <a:lvl8pPr marL="3429000" indent="-228600" eaLnBrk="0" fontAlgn="base" hangingPunct="0">
-              <a:spcBef>
-                <a:spcPct val="0"/>
-              </a:spcBef>
-              <a:spcAft>
-                <a:spcPct val="0"/>
-              </a:spcAft>
-              <a:defRPr>
-                <a:solidFill>
-                  <a:schemeClr val="tx1"/>
-                </a:solidFill>
-                <a:latin typeface="Arial" panose="020B0604020202020204" pitchFamily="34" charset="0"/>
-                <a:ea typeface="ＭＳ Ｐゴシック" panose="020B0600070205080204" pitchFamily="34" charset="-128"/>
-              </a:defRPr>
-            </a:lvl8pPr>
-            <a:lvl9pPr marL="3886200" indent="-228600" eaLnBrk="0" fontAlgn="base" hangingPunct="0">
-              <a:spcBef>
-                <a:spcPct val="0"/>
-              </a:spcBef>
-              <a:spcAft>
-                <a:spcPct val="0"/>
-              </a:spcAft>
-              <a:defRPr>
-                <a:solidFill>
-                  <a:schemeClr val="tx1"/>
-                </a:solidFill>
-                <a:latin typeface="Arial" panose="020B0604020202020204" pitchFamily="34" charset="0"/>
-                <a:ea typeface="ＭＳ Ｐゴシック" panose="020B0600070205080204" pitchFamily="34" charset="-128"/>
-              </a:defRPr>
-            </a:lvl9pPr>
-          </a:lstStyle>
-          <a:p>
-            <a:pPr eaLnBrk="1" hangingPunct="1"/>
-            <a:r>
-              <a:rPr lang="en-US" altLang="en-US" sz="1600" b="1" dirty="0"/>
-              <a:t>X    </a:t>
-            </a:r>
-            <a:r>
-              <a:rPr lang="en-US" altLang="en-US" sz="1600" b="1" dirty="0" err="1"/>
-              <a:t>X</a:t>
-            </a:r>
-            <a:endParaRPr lang="en-US" altLang="en-US" sz="1600" b="1" dirty="0"/>
-          </a:p>
-        </p:txBody>
-      </p:sp>
-      <p:sp>
-        <p:nvSpPr>
-          <p:cNvPr id="2" name="Rectangle 1">
-            <a:extLst>
-              <a:ext uri="{FF2B5EF4-FFF2-40B4-BE49-F238E27FC236}">
-                <a16:creationId xmlns:a16="http://schemas.microsoft.com/office/drawing/2014/main" id="{366ED290-982C-4ACF-B90A-31B57E8CE0B8}"/>
-              </a:ext>
-            </a:extLst>
-          </p:cNvPr>
-          <p:cNvSpPr/>
-          <p:nvPr/>
-        </p:nvSpPr>
-        <p:spPr>
-          <a:xfrm>
-            <a:off x="3215664" y="6127336"/>
-            <a:ext cx="338554" cy="369332"/>
-          </a:xfrm>
-          <a:prstGeom prst="rect">
-            <a:avLst/>
-          </a:prstGeom>
-        </p:spPr>
-        <p:txBody>
-          <a:bodyPr wrap="none">
-            <a:spAutoFit/>
-          </a:bodyPr>
-          <a:lstStyle/>
-          <a:p>
-            <a:r>
-              <a:rPr lang="en-US" altLang="en-US" b="1" dirty="0"/>
-              <a:t>X</a:t>
-            </a:r>
-            <a:endParaRPr lang="en-US" dirty="0"/>
-          </a:p>
-        </p:txBody>
-      </p:sp>
       <p:grpSp>
         <p:nvGrpSpPr>
           <p:cNvPr id="100" name="Group 21">
